--- a/On The Seashore.pptx
+++ b/On The Seashore.pptx
@@ -1,6 +1,6 @@
 
 <file path=ppt/presentation.xml><?xml version="1.0" encoding="utf-8"?>
-<p:presentation xmlns:a="http://schemas.openxmlformats.org/drawingml/2006/main" xmlns:r="http://schemas.openxmlformats.org/officeDocument/2006/relationships" xmlns:mc="http://schemas.openxmlformats.org/markup-compatibility/2006" xmlns:mv="urn:schemas-microsoft-com:mac:vml" xmlns:p="http://schemas.openxmlformats.org/presentationml/2006/main" xmlns:c="http://schemas.openxmlformats.org/drawingml/2006/chart" xmlns:dgm="http://schemas.openxmlformats.org/drawingml/2006/diagram" xmlns:o="urn:schemas-microsoft-com:office:office" xmlns:v="urn:schemas-microsoft-com:vml" xmlns:pvml="urn:schemas-microsoft-com:office:powerpoint" xmlns:com="http://schemas.openxmlformats.org/drawingml/2006/compatibility" xmlns:p14="http://schemas.microsoft.com/office/powerpoint/2010/main" xmlns:p15="http://schemas.microsoft.com/office/powerpoint/2012/main" xmlns:ahyp="http://schemas.microsoft.com/office/drawing/2018/hyperlinkcolor" autoCompressPictures="0" embedTrueTypeFonts="1" strictFirstAndLastChars="0" saveSubsetFonts="1">
+<p:presentation xmlns:a="http://schemas.openxmlformats.org/drawingml/2006/main" xmlns:r="http://schemas.openxmlformats.org/officeDocument/2006/relationships" xmlns:mc="http://schemas.openxmlformats.org/markup-compatibility/2006" xmlns:mv="urn:schemas-microsoft-com:mac:vml" xmlns:p="http://schemas.openxmlformats.org/presentationml/2006/main" xmlns:c="http://schemas.openxmlformats.org/drawingml/2006/chart" xmlns:dgm="http://schemas.openxmlformats.org/drawingml/2006/diagram" xmlns:o="urn:schemas-microsoft-com:office:office" xmlns:v="urn:schemas-microsoft-com:vml" xmlns:pvml="urn:schemas-microsoft-com:office:powerpoint" xmlns:com="http://schemas.openxmlformats.org/drawingml/2006/compatibility" xmlns:p14="http://schemas.microsoft.com/office/powerpoint/2010/main" xmlns:p15="http://schemas.microsoft.com/office/powerpoint/2012/main" xmlns:ahyp="http://schemas.microsoft.com/office/drawing/2018/hyperlinkcolor" autoCompressPictures="0" embedTrueTypeFonts="1" saveSubsetFonts="1" strictFirstAndLastChars="0">
   <p:sldMasterIdLst>
     <p:sldMasterId id="2147483659" r:id="rId4"/>
   </p:sldMasterIdLst>
@@ -13,7 +13,7 @@
     <p:sldId id="258" r:id="rId8"/>
     <p:sldId id="259" r:id="rId9"/>
   </p:sldIdLst>
-  <p:sldSz cy="5143500" cx="9144000"/>
+  <p:sldSz cx="9144000" cy="5143500"/>
   <p:notesSz cx="6858000" cy="9144000"/>
   <p:embeddedFontLst>
     <p:embeddedFont>
@@ -41,7 +41,7 @@
     </p:embeddedFont>
   </p:embeddedFontLst>
   <p:defaultTextStyle>
-    <a:defPPr lvl="0" marR="0" rtl="0" algn="l">
+    <a:defPPr algn="l" lvl="0" marR="0" rtl="0">
       <a:lnSpc>
         <a:spcPct val="100000"/>
       </a:lnSpc>
@@ -52,7 +52,7 @@
         <a:spcPts val="0"/>
       </a:spcAft>
     </a:defPPr>
-    <a:lvl1pPr lvl="0" marR="0" rtl="0" algn="l">
+    <a:lvl1pPr algn="l" lvl="0" marR="0" rtl="0">
       <a:lnSpc>
         <a:spcPct val="100000"/>
       </a:lnSpc>
@@ -66,7 +66,7 @@
         <a:srgbClr val="000000"/>
       </a:buClr>
       <a:buFont typeface="Arial"/>
-      <a:defRPr b="0" i="0" sz="1400" u="none" cap="none" strike="noStrike">
+      <a:defRPr b="0" cap="none" i="0" strike="noStrike" sz="1400" u="none">
         <a:solidFill>
           <a:srgbClr val="000000"/>
         </a:solidFill>
@@ -76,7 +76,7 @@
         <a:sym typeface="Arial"/>
       </a:defRPr>
     </a:lvl1pPr>
-    <a:lvl2pPr lvl="1" marR="0" rtl="0" algn="l">
+    <a:lvl2pPr algn="l" lvl="1" marR="0" rtl="0">
       <a:lnSpc>
         <a:spcPct val="100000"/>
       </a:lnSpc>
@@ -90,7 +90,7 @@
         <a:srgbClr val="000000"/>
       </a:buClr>
       <a:buFont typeface="Arial"/>
-      <a:defRPr b="0" i="0" sz="1400" u="none" cap="none" strike="noStrike">
+      <a:defRPr b="0" cap="none" i="0" strike="noStrike" sz="1400" u="none">
         <a:solidFill>
           <a:srgbClr val="000000"/>
         </a:solidFill>
@@ -100,7 +100,7 @@
         <a:sym typeface="Arial"/>
       </a:defRPr>
     </a:lvl2pPr>
-    <a:lvl3pPr lvl="2" marR="0" rtl="0" algn="l">
+    <a:lvl3pPr algn="l" lvl="2" marR="0" rtl="0">
       <a:lnSpc>
         <a:spcPct val="100000"/>
       </a:lnSpc>
@@ -114,7 +114,7 @@
         <a:srgbClr val="000000"/>
       </a:buClr>
       <a:buFont typeface="Arial"/>
-      <a:defRPr b="0" i="0" sz="1400" u="none" cap="none" strike="noStrike">
+      <a:defRPr b="0" cap="none" i="0" strike="noStrike" sz="1400" u="none">
         <a:solidFill>
           <a:srgbClr val="000000"/>
         </a:solidFill>
@@ -124,7 +124,7 @@
         <a:sym typeface="Arial"/>
       </a:defRPr>
     </a:lvl3pPr>
-    <a:lvl4pPr lvl="3" marR="0" rtl="0" algn="l">
+    <a:lvl4pPr algn="l" lvl="3" marR="0" rtl="0">
       <a:lnSpc>
         <a:spcPct val="100000"/>
       </a:lnSpc>
@@ -138,7 +138,7 @@
         <a:srgbClr val="000000"/>
       </a:buClr>
       <a:buFont typeface="Arial"/>
-      <a:defRPr b="0" i="0" sz="1400" u="none" cap="none" strike="noStrike">
+      <a:defRPr b="0" cap="none" i="0" strike="noStrike" sz="1400" u="none">
         <a:solidFill>
           <a:srgbClr val="000000"/>
         </a:solidFill>
@@ -148,7 +148,7 @@
         <a:sym typeface="Arial"/>
       </a:defRPr>
     </a:lvl4pPr>
-    <a:lvl5pPr lvl="4" marR="0" rtl="0" algn="l">
+    <a:lvl5pPr algn="l" lvl="4" marR="0" rtl="0">
       <a:lnSpc>
         <a:spcPct val="100000"/>
       </a:lnSpc>
@@ -162,7 +162,7 @@
         <a:srgbClr val="000000"/>
       </a:buClr>
       <a:buFont typeface="Arial"/>
-      <a:defRPr b="0" i="0" sz="1400" u="none" cap="none" strike="noStrike">
+      <a:defRPr b="0" cap="none" i="0" strike="noStrike" sz="1400" u="none">
         <a:solidFill>
           <a:srgbClr val="000000"/>
         </a:solidFill>
@@ -172,7 +172,7 @@
         <a:sym typeface="Arial"/>
       </a:defRPr>
     </a:lvl5pPr>
-    <a:lvl6pPr lvl="5" marR="0" rtl="0" algn="l">
+    <a:lvl6pPr algn="l" lvl="5" marR="0" rtl="0">
       <a:lnSpc>
         <a:spcPct val="100000"/>
       </a:lnSpc>
@@ -186,7 +186,7 @@
         <a:srgbClr val="000000"/>
       </a:buClr>
       <a:buFont typeface="Arial"/>
-      <a:defRPr b="0" i="0" sz="1400" u="none" cap="none" strike="noStrike">
+      <a:defRPr b="0" cap="none" i="0" strike="noStrike" sz="1400" u="none">
         <a:solidFill>
           <a:srgbClr val="000000"/>
         </a:solidFill>
@@ -196,7 +196,7 @@
         <a:sym typeface="Arial"/>
       </a:defRPr>
     </a:lvl6pPr>
-    <a:lvl7pPr lvl="6" marR="0" rtl="0" algn="l">
+    <a:lvl7pPr algn="l" lvl="6" marR="0" rtl="0">
       <a:lnSpc>
         <a:spcPct val="100000"/>
       </a:lnSpc>
@@ -210,7 +210,7 @@
         <a:srgbClr val="000000"/>
       </a:buClr>
       <a:buFont typeface="Arial"/>
-      <a:defRPr b="0" i="0" sz="1400" u="none" cap="none" strike="noStrike">
+      <a:defRPr b="0" cap="none" i="0" strike="noStrike" sz="1400" u="none">
         <a:solidFill>
           <a:srgbClr val="000000"/>
         </a:solidFill>
@@ -220,7 +220,7 @@
         <a:sym typeface="Arial"/>
       </a:defRPr>
     </a:lvl7pPr>
-    <a:lvl8pPr lvl="7" marR="0" rtl="0" algn="l">
+    <a:lvl8pPr algn="l" lvl="7" marR="0" rtl="0">
       <a:lnSpc>
         <a:spcPct val="100000"/>
       </a:lnSpc>
@@ -234,7 +234,7 @@
         <a:srgbClr val="000000"/>
       </a:buClr>
       <a:buFont typeface="Arial"/>
-      <a:defRPr b="0" i="0" sz="1400" u="none" cap="none" strike="noStrike">
+      <a:defRPr b="0" cap="none" i="0" strike="noStrike" sz="1400" u="none">
         <a:solidFill>
           <a:srgbClr val="000000"/>
         </a:solidFill>
@@ -244,7 +244,7 @@
         <a:sym typeface="Arial"/>
       </a:defRPr>
     </a:lvl8pPr>
-    <a:lvl9pPr lvl="8" marR="0" rtl="0" algn="l">
+    <a:lvl9pPr algn="l" lvl="8" marR="0" rtl="0">
       <a:lnSpc>
         <a:spcPct val="100000"/>
       </a:lnSpc>
@@ -258,7 +258,7 @@
         <a:srgbClr val="000000"/>
       </a:buClr>
       <a:buFont typeface="Arial"/>
-      <a:defRPr b="0" i="0" sz="1400" u="none" cap="none" strike="noStrike">
+      <a:defRPr b="0" cap="none" i="0" strike="noStrike" sz="1400" u="none">
         <a:solidFill>
           <a:srgbClr val="000000"/>
         </a:solidFill>
@@ -345,8 +345,8 @@
             </a:solidFill>
             <a:prstDash val="solid"/>
             <a:round/>
-            <a:headEnd len="sm" w="sm" type="none"/>
-            <a:tailEnd len="sm" w="sm" type="none"/>
+            <a:headEnd len="sm" type="none" w="sm"/>
+            <a:tailEnd len="sm" type="none" w="sm"/>
           </a:ln>
         </p:spPr>
       </p:sp>
@@ -372,7 +372,7 @@
           </a:ln>
         </p:spPr>
         <p:txBody>
-          <a:bodyPr anchorCtr="0" anchor="t" bIns="91425" lIns="91425" spcFirstLastPara="1" rIns="91425" wrap="square" tIns="91425">
+          <a:bodyPr anchor="t" anchorCtr="0" bIns="91425" lIns="91425" numCol="1" rIns="91425" spcFirstLastPara="1" tIns="91425" wrap="square">
             <a:noAutofit/>
           </a:bodyPr>
           <a:lstStyle>
@@ -481,9 +481,9 @@
       </p:sp>
     </p:spTree>
   </p:cSld>
-  <p:clrMap accent1="accent1" accent2="accent2" accent3="accent3" accent4="accent4" accent5="accent5" accent6="accent6" bg1="lt1" bg2="dk2" tx1="dk1" tx2="lt2" folHlink="folHlink" hlink="hlink"/>
+  <p:clrMap accent1="accent1" accent2="accent2" accent3="accent3" accent4="accent4" accent5="accent5" accent6="accent6" bg1="lt1" bg2="dk2" folHlink="folHlink" hlink="hlink" tx1="dk1" tx2="lt2"/>
   <p:notesStyle>
-    <a:defPPr lvl="0" marR="0" rtl="0" algn="l">
+    <a:defPPr algn="l" lvl="0" marR="0" rtl="0">
       <a:lnSpc>
         <a:spcPct val="100000"/>
       </a:lnSpc>
@@ -494,7 +494,7 @@
         <a:spcPts val="0"/>
       </a:spcAft>
     </a:defPPr>
-    <a:lvl1pPr lvl="0" marR="0" rtl="0" algn="l">
+    <a:lvl1pPr algn="l" lvl="0" marR="0" rtl="0">
       <a:lnSpc>
         <a:spcPct val="100000"/>
       </a:lnSpc>
@@ -508,7 +508,7 @@
         <a:srgbClr val="000000"/>
       </a:buClr>
       <a:buFont typeface="Arial"/>
-      <a:defRPr b="0" i="0" sz="1400" u="none" cap="none" strike="noStrike">
+      <a:defRPr b="0" cap="none" i="0" strike="noStrike" sz="1400" u="none">
         <a:solidFill>
           <a:srgbClr val="000000"/>
         </a:solidFill>
@@ -518,7 +518,7 @@
         <a:sym typeface="Arial"/>
       </a:defRPr>
     </a:lvl1pPr>
-    <a:lvl2pPr lvl="1" marR="0" rtl="0" algn="l">
+    <a:lvl2pPr algn="l" lvl="1" marR="0" rtl="0">
       <a:lnSpc>
         <a:spcPct val="100000"/>
       </a:lnSpc>
@@ -532,7 +532,7 @@
         <a:srgbClr val="000000"/>
       </a:buClr>
       <a:buFont typeface="Arial"/>
-      <a:defRPr b="0" i="0" sz="1400" u="none" cap="none" strike="noStrike">
+      <a:defRPr b="0" cap="none" i="0" strike="noStrike" sz="1400" u="none">
         <a:solidFill>
           <a:srgbClr val="000000"/>
         </a:solidFill>
@@ -542,7 +542,7 @@
         <a:sym typeface="Arial"/>
       </a:defRPr>
     </a:lvl2pPr>
-    <a:lvl3pPr lvl="2" marR="0" rtl="0" algn="l">
+    <a:lvl3pPr algn="l" lvl="2" marR="0" rtl="0">
       <a:lnSpc>
         <a:spcPct val="100000"/>
       </a:lnSpc>
@@ -556,7 +556,7 @@
         <a:srgbClr val="000000"/>
       </a:buClr>
       <a:buFont typeface="Arial"/>
-      <a:defRPr b="0" i="0" sz="1400" u="none" cap="none" strike="noStrike">
+      <a:defRPr b="0" cap="none" i="0" strike="noStrike" sz="1400" u="none">
         <a:solidFill>
           <a:srgbClr val="000000"/>
         </a:solidFill>
@@ -566,7 +566,7 @@
         <a:sym typeface="Arial"/>
       </a:defRPr>
     </a:lvl3pPr>
-    <a:lvl4pPr lvl="3" marR="0" rtl="0" algn="l">
+    <a:lvl4pPr algn="l" lvl="3" marR="0" rtl="0">
       <a:lnSpc>
         <a:spcPct val="100000"/>
       </a:lnSpc>
@@ -580,7 +580,7 @@
         <a:srgbClr val="000000"/>
       </a:buClr>
       <a:buFont typeface="Arial"/>
-      <a:defRPr b="0" i="0" sz="1400" u="none" cap="none" strike="noStrike">
+      <a:defRPr b="0" cap="none" i="0" strike="noStrike" sz="1400" u="none">
         <a:solidFill>
           <a:srgbClr val="000000"/>
         </a:solidFill>
@@ -590,7 +590,7 @@
         <a:sym typeface="Arial"/>
       </a:defRPr>
     </a:lvl4pPr>
-    <a:lvl5pPr lvl="4" marR="0" rtl="0" algn="l">
+    <a:lvl5pPr algn="l" lvl="4" marR="0" rtl="0">
       <a:lnSpc>
         <a:spcPct val="100000"/>
       </a:lnSpc>
@@ -604,7 +604,7 @@
         <a:srgbClr val="000000"/>
       </a:buClr>
       <a:buFont typeface="Arial"/>
-      <a:defRPr b="0" i="0" sz="1400" u="none" cap="none" strike="noStrike">
+      <a:defRPr b="0" cap="none" i="0" strike="noStrike" sz="1400" u="none">
         <a:solidFill>
           <a:srgbClr val="000000"/>
         </a:solidFill>
@@ -614,7 +614,7 @@
         <a:sym typeface="Arial"/>
       </a:defRPr>
     </a:lvl5pPr>
-    <a:lvl6pPr lvl="5" marR="0" rtl="0" algn="l">
+    <a:lvl6pPr algn="l" lvl="5" marR="0" rtl="0">
       <a:lnSpc>
         <a:spcPct val="100000"/>
       </a:lnSpc>
@@ -628,7 +628,7 @@
         <a:srgbClr val="000000"/>
       </a:buClr>
       <a:buFont typeface="Arial"/>
-      <a:defRPr b="0" i="0" sz="1400" u="none" cap="none" strike="noStrike">
+      <a:defRPr b="0" cap="none" i="0" strike="noStrike" sz="1400" u="none">
         <a:solidFill>
           <a:srgbClr val="000000"/>
         </a:solidFill>
@@ -638,7 +638,7 @@
         <a:sym typeface="Arial"/>
       </a:defRPr>
     </a:lvl6pPr>
-    <a:lvl7pPr lvl="6" marR="0" rtl="0" algn="l">
+    <a:lvl7pPr algn="l" lvl="6" marR="0" rtl="0">
       <a:lnSpc>
         <a:spcPct val="100000"/>
       </a:lnSpc>
@@ -652,7 +652,7 @@
         <a:srgbClr val="000000"/>
       </a:buClr>
       <a:buFont typeface="Arial"/>
-      <a:defRPr b="0" i="0" sz="1400" u="none" cap="none" strike="noStrike">
+      <a:defRPr b="0" cap="none" i="0" strike="noStrike" sz="1400" u="none">
         <a:solidFill>
           <a:srgbClr val="000000"/>
         </a:solidFill>
@@ -662,7 +662,7 @@
         <a:sym typeface="Arial"/>
       </a:defRPr>
     </a:lvl7pPr>
-    <a:lvl8pPr lvl="7" marR="0" rtl="0" algn="l">
+    <a:lvl8pPr algn="l" lvl="7" marR="0" rtl="0">
       <a:lnSpc>
         <a:spcPct val="100000"/>
       </a:lnSpc>
@@ -676,7 +676,7 @@
         <a:srgbClr val="000000"/>
       </a:buClr>
       <a:buFont typeface="Arial"/>
-      <a:defRPr b="0" i="0" sz="1400" u="none" cap="none" strike="noStrike">
+      <a:defRPr b="0" cap="none" i="0" strike="noStrike" sz="1400" u="none">
         <a:solidFill>
           <a:srgbClr val="000000"/>
         </a:solidFill>
@@ -686,7 +686,7 @@
         <a:sym typeface="Arial"/>
       </a:defRPr>
     </a:lvl8pPr>
-    <a:lvl9pPr lvl="8" marR="0" rtl="0" algn="l">
+    <a:lvl9pPr algn="l" lvl="8" marR="0" rtl="0">
       <a:lnSpc>
         <a:spcPct val="100000"/>
       </a:lnSpc>
@@ -700,7 +700,7 @@
         <a:srgbClr val="000000"/>
       </a:buClr>
       <a:buFont typeface="Arial"/>
-      <a:defRPr b="0" i="0" sz="1400" u="none" cap="none" strike="noStrike">
+      <a:defRPr b="0" cap="none" i="0" strike="noStrike" sz="1400" u="none">
         <a:solidFill>
           <a:srgbClr val="000000"/>
         </a:solidFill>
@@ -784,12 +784,12 @@
           </a:prstGeom>
         </p:spPr>
         <p:txBody>
-          <a:bodyPr anchorCtr="0" anchor="t" bIns="91425" lIns="91425" spcFirstLastPara="1" rIns="91425" wrap="square" tIns="91425">
+          <a:bodyPr anchor="t" anchorCtr="0" bIns="91425" lIns="91425" numCol="1" rIns="91425" spcFirstLastPara="1" tIns="91425" wrap="square">
             <a:noAutofit/>
           </a:bodyPr>
           <a:lstStyle/>
           <a:p>
-            <a:pPr indent="0" lvl="0" marL="0" rtl="0" algn="l">
+            <a:pPr algn="l" indent="0" lvl="0" marL="0" rtl="0">
               <a:spcBef>
                 <a:spcPts val="0"/>
               </a:spcBef>
@@ -883,12 +883,12 @@
           </a:prstGeom>
         </p:spPr>
         <p:txBody>
-          <a:bodyPr anchorCtr="0" anchor="t" bIns="91425" lIns="91425" spcFirstLastPara="1" rIns="91425" wrap="square" tIns="91425">
+          <a:bodyPr anchor="t" anchorCtr="0" bIns="91425" lIns="91425" numCol="1" rIns="91425" spcFirstLastPara="1" tIns="91425" wrap="square">
             <a:noAutofit/>
           </a:bodyPr>
           <a:lstStyle/>
           <a:p>
-            <a:pPr indent="0" lvl="0" marL="0" rtl="0" algn="l">
+            <a:pPr algn="l" indent="0" lvl="0" marL="0" rtl="0">
               <a:spcBef>
                 <a:spcPts val="0"/>
               </a:spcBef>
@@ -982,12 +982,12 @@
           </a:prstGeom>
         </p:spPr>
         <p:txBody>
-          <a:bodyPr anchorCtr="0" anchor="t" bIns="91425" lIns="91425" spcFirstLastPara="1" rIns="91425" wrap="square" tIns="91425">
+          <a:bodyPr anchor="t" anchorCtr="0" bIns="91425" lIns="91425" numCol="1" rIns="91425" spcFirstLastPara="1" tIns="91425" wrap="square">
             <a:noAutofit/>
           </a:bodyPr>
           <a:lstStyle/>
           <a:p>
-            <a:pPr indent="0" lvl="0" marL="0" rtl="0" algn="l">
+            <a:pPr algn="l" indent="0" lvl="0" marL="0" rtl="0">
               <a:spcBef>
                 <a:spcPts val="0"/>
               </a:spcBef>
@@ -1081,12 +1081,12 @@
           </a:prstGeom>
         </p:spPr>
         <p:txBody>
-          <a:bodyPr anchorCtr="0" anchor="t" bIns="91425" lIns="91425" spcFirstLastPara="1" rIns="91425" wrap="square" tIns="91425">
+          <a:bodyPr anchor="t" anchorCtr="0" bIns="91425" lIns="91425" numCol="1" rIns="91425" spcFirstLastPara="1" tIns="91425" wrap="square">
             <a:noAutofit/>
           </a:bodyPr>
           <a:lstStyle/>
           <a:p>
-            <a:pPr indent="0" lvl="0" marL="0" rtl="0" algn="l">
+            <a:pPr algn="l" indent="0" lvl="0" marL="0" rtl="0">
               <a:spcBef>
                 <a:spcPts val="0"/>
               </a:spcBef>
@@ -1153,12 +1153,12 @@
           </a:ln>
         </p:spPr>
         <p:txBody>
-          <a:bodyPr anchorCtr="0" anchor="ctr" bIns="91425" lIns="91425" spcFirstLastPara="1" rIns="91425" wrap="square" tIns="91425">
+          <a:bodyPr anchor="ctr" anchorCtr="0" bIns="91425" lIns="91425" numCol="1" rIns="91425" spcFirstLastPara="1" tIns="91425" wrap="square">
             <a:noAutofit/>
           </a:bodyPr>
           <a:lstStyle/>
           <a:p>
-            <a:pPr indent="0" lvl="0" marL="0" rtl="0" algn="l">
+            <a:pPr algn="l" indent="0" lvl="0" marL="0" rtl="0">
               <a:spcBef>
                 <a:spcPts val="0"/>
               </a:spcBef>
@@ -1214,12 +1214,12 @@
             </a:ln>
           </p:spPr>
           <p:txBody>
-            <a:bodyPr anchorCtr="0" anchor="ctr" bIns="91425" lIns="91425" spcFirstLastPara="1" rIns="91425" wrap="square" tIns="91425">
+            <a:bodyPr anchor="ctr" anchorCtr="0" bIns="91425" lIns="91425" numCol="1" rIns="91425" spcFirstLastPara="1" tIns="91425" wrap="square">
               <a:noAutofit/>
             </a:bodyPr>
             <a:lstStyle/>
             <a:p>
-              <a:pPr indent="0" lvl="0" marL="0" rtl="0" algn="l">
+              <a:pPr algn="l" indent="0" lvl="0" marL="0" rtl="0">
                 <a:spcBef>
                   <a:spcPts val="0"/>
                 </a:spcBef>
@@ -1261,12 +1261,12 @@
             </a:ln>
           </p:spPr>
           <p:txBody>
-            <a:bodyPr anchorCtr="0" anchor="ctr" bIns="91425" lIns="91425" spcFirstLastPara="1" rIns="91425" wrap="square" tIns="91425">
+            <a:bodyPr anchor="ctr" anchorCtr="0" bIns="91425" lIns="91425" numCol="1" rIns="91425" spcFirstLastPara="1" tIns="91425" wrap="square">
               <a:noAutofit/>
             </a:bodyPr>
             <a:lstStyle/>
             <a:p>
-              <a:pPr indent="0" lvl="0" marL="0" rtl="0" algn="l">
+              <a:pPr algn="l" indent="0" lvl="0" marL="0" rtl="0">
                 <a:spcBef>
                   <a:spcPts val="0"/>
                 </a:spcBef>
@@ -1306,12 +1306,12 @@
             </a:ln>
           </p:spPr>
           <p:txBody>
-            <a:bodyPr anchorCtr="0" anchor="ctr" bIns="91425" lIns="91425" spcFirstLastPara="1" rIns="91425" wrap="square" tIns="91425">
+            <a:bodyPr anchor="ctr" anchorCtr="0" bIns="91425" lIns="91425" numCol="1" rIns="91425" spcFirstLastPara="1" tIns="91425" wrap="square">
               <a:noAutofit/>
             </a:bodyPr>
             <a:lstStyle/>
             <a:p>
-              <a:pPr indent="0" lvl="0" marL="0" rtl="0" algn="l">
+              <a:pPr algn="l" indent="0" lvl="0" marL="0" rtl="0">
                 <a:spcBef>
                   <a:spcPts val="0"/>
                 </a:spcBef>
@@ -1351,12 +1351,12 @@
             </a:ln>
           </p:spPr>
           <p:txBody>
-            <a:bodyPr anchorCtr="0" anchor="ctr" bIns="91425" lIns="91425" spcFirstLastPara="1" rIns="91425" wrap="square" tIns="91425">
+            <a:bodyPr anchor="ctr" anchorCtr="0" bIns="91425" lIns="91425" numCol="1" rIns="91425" spcFirstLastPara="1" tIns="91425" wrap="square">
               <a:noAutofit/>
             </a:bodyPr>
             <a:lstStyle/>
             <a:p>
-              <a:pPr indent="0" lvl="0" marL="0" rtl="0" algn="l">
+              <a:pPr algn="l" indent="0" lvl="0" marL="0" rtl="0">
                 <a:spcBef>
                   <a:spcPts val="0"/>
                 </a:spcBef>
@@ -1391,7 +1391,7 @@
           </a:prstGeom>
         </p:spPr>
         <p:txBody>
-          <a:bodyPr anchorCtr="0" anchor="t" bIns="91425" lIns="91425" spcFirstLastPara="1" rIns="91425" wrap="square" tIns="91425">
+          <a:bodyPr anchor="t" anchorCtr="0" bIns="91425" lIns="91425" numCol="1" rIns="91425" spcFirstLastPara="1" tIns="91425" wrap="square">
             <a:normAutofit/>
           </a:bodyPr>
           <a:lstStyle>
@@ -1516,7 +1516,7 @@
           </a:prstGeom>
         </p:spPr>
         <p:txBody>
-          <a:bodyPr anchorCtr="0" anchor="t" bIns="91425" lIns="91425" spcFirstLastPara="1" rIns="91425" wrap="square" tIns="91425">
+          <a:bodyPr anchor="t" anchorCtr="0" bIns="91425" lIns="91425" numCol="1" rIns="91425" spcFirstLastPara="1" tIns="91425" wrap="square">
             <a:normAutofit/>
           </a:bodyPr>
           <a:lstStyle>
@@ -1668,7 +1668,7 @@
           </a:prstGeom>
         </p:spPr>
         <p:txBody>
-          <a:bodyPr anchorCtr="0" anchor="ctr" bIns="91425" lIns="91425" spcFirstLastPara="1" rIns="91425" wrap="square" tIns="91425">
+          <a:bodyPr anchor="ctr" anchorCtr="0" bIns="91425" lIns="91425" numCol="1" rIns="91425" spcFirstLastPara="1" tIns="91425" wrap="square">
             <a:normAutofit/>
           </a:bodyPr>
           <a:lstStyle>
@@ -1710,7 +1710,7 @@
             </a:lvl9pPr>
           </a:lstStyle>
           <a:p>
-            <a:pPr indent="0" lvl="0" marL="0" rtl="0" algn="r">
+            <a:pPr algn="r" indent="0" lvl="0" marL="0" rtl="0">
               <a:spcBef>
                 <a:spcPts val="0"/>
               </a:spcBef>
@@ -1720,7 +1720,7 @@
               <a:buNone/>
             </a:pPr>
             <a:fld id="{00000000-1234-1234-1234-123412341234}" type="slidenum">
-              <a:rPr lang="en-GB"/>
+              <a:rPr altLang="en-GB" lang="en-GB"/>
               <a:t>‹#›</a:t>
             </a:fld>
             <a:endParaRPr/>
@@ -1792,12 +1792,12 @@
             </a:ln>
           </p:spPr>
           <p:txBody>
-            <a:bodyPr anchorCtr="0" anchor="ctr" bIns="91425" lIns="91425" spcFirstLastPara="1" rIns="91425" wrap="square" tIns="91425">
+            <a:bodyPr anchor="ctr" anchorCtr="0" bIns="91425" lIns="91425" numCol="1" rIns="91425" spcFirstLastPara="1" tIns="91425" wrap="square">
               <a:noAutofit/>
             </a:bodyPr>
             <a:lstStyle/>
             <a:p>
-              <a:pPr indent="0" lvl="0" marL="0" rtl="0" algn="l">
+              <a:pPr algn="l" indent="0" lvl="0" marL="0" rtl="0">
                 <a:spcBef>
                   <a:spcPts val="0"/>
                 </a:spcBef>
@@ -1839,12 +1839,12 @@
             </a:ln>
           </p:spPr>
           <p:txBody>
-            <a:bodyPr anchorCtr="0" anchor="ctr" bIns="91425" lIns="91425" spcFirstLastPara="1" rIns="91425" wrap="square" tIns="91425">
+            <a:bodyPr anchor="ctr" anchorCtr="0" bIns="91425" lIns="91425" numCol="1" rIns="91425" spcFirstLastPara="1" tIns="91425" wrap="square">
               <a:noAutofit/>
             </a:bodyPr>
             <a:lstStyle/>
             <a:p>
-              <a:pPr indent="0" lvl="0" marL="0" rtl="0" algn="l">
+              <a:pPr algn="l" indent="0" lvl="0" marL="0" rtl="0">
                 <a:spcBef>
                   <a:spcPts val="0"/>
                 </a:spcBef>
@@ -1886,12 +1886,12 @@
             </a:ln>
           </p:spPr>
           <p:txBody>
-            <a:bodyPr anchorCtr="0" anchor="ctr" bIns="91425" lIns="91425" spcFirstLastPara="1" rIns="91425" wrap="square" tIns="91425">
+            <a:bodyPr anchor="ctr" anchorCtr="0" bIns="91425" lIns="91425" numCol="1" rIns="91425" spcFirstLastPara="1" tIns="91425" wrap="square">
               <a:noAutofit/>
             </a:bodyPr>
             <a:lstStyle/>
             <a:p>
-              <a:pPr indent="0" lvl="0" marL="0" rtl="0" algn="l">
+              <a:pPr algn="l" indent="0" lvl="0" marL="0" rtl="0">
                 <a:spcBef>
                   <a:spcPts val="0"/>
                 </a:spcBef>
@@ -1933,12 +1933,12 @@
             </a:ln>
           </p:spPr>
           <p:txBody>
-            <a:bodyPr anchorCtr="0" anchor="ctr" bIns="91425" lIns="91425" spcFirstLastPara="1" rIns="91425" wrap="square" tIns="91425">
+            <a:bodyPr anchor="ctr" anchorCtr="0" bIns="91425" lIns="91425" numCol="1" rIns="91425" spcFirstLastPara="1" tIns="91425" wrap="square">
               <a:noAutofit/>
             </a:bodyPr>
             <a:lstStyle/>
             <a:p>
-              <a:pPr indent="0" lvl="0" marL="0" rtl="0" algn="l">
+              <a:pPr algn="l" indent="0" lvl="0" marL="0" rtl="0">
                 <a:spcBef>
                   <a:spcPts val="0"/>
                 </a:spcBef>
@@ -1980,12 +1980,12 @@
             </a:ln>
           </p:spPr>
           <p:txBody>
-            <a:bodyPr anchorCtr="0" anchor="ctr" bIns="91425" lIns="91425" spcFirstLastPara="1" rIns="91425" wrap="square" tIns="91425">
+            <a:bodyPr anchor="ctr" anchorCtr="0" bIns="91425" lIns="91425" numCol="1" rIns="91425" spcFirstLastPara="1" tIns="91425" wrap="square">
               <a:noAutofit/>
             </a:bodyPr>
             <a:lstStyle/>
             <a:p>
-              <a:pPr indent="0" lvl="0" marL="0" rtl="0" algn="l">
+              <a:pPr algn="l" indent="0" lvl="0" marL="0" rtl="0">
                 <a:spcBef>
                   <a:spcPts val="0"/>
                 </a:spcBef>
@@ -2027,12 +2027,12 @@
             </a:ln>
           </p:spPr>
           <p:txBody>
-            <a:bodyPr anchorCtr="0" anchor="ctr" bIns="91425" lIns="91425" spcFirstLastPara="1" rIns="91425" wrap="square" tIns="91425">
+            <a:bodyPr anchor="ctr" anchorCtr="0" bIns="91425" lIns="91425" numCol="1" rIns="91425" spcFirstLastPara="1" tIns="91425" wrap="square">
               <a:noAutofit/>
             </a:bodyPr>
             <a:lstStyle/>
             <a:p>
-              <a:pPr indent="0" lvl="0" marL="0" rtl="0" algn="l">
+              <a:pPr algn="l" indent="0" lvl="0" marL="0" rtl="0">
                 <a:spcBef>
                   <a:spcPts val="0"/>
                 </a:spcBef>
@@ -2074,12 +2074,12 @@
             </a:ln>
           </p:spPr>
           <p:txBody>
-            <a:bodyPr anchorCtr="0" anchor="ctr" bIns="91425" lIns="91425" spcFirstLastPara="1" rIns="91425" wrap="square" tIns="91425">
+            <a:bodyPr anchor="ctr" anchorCtr="0" bIns="91425" lIns="91425" numCol="1" rIns="91425" spcFirstLastPara="1" tIns="91425" wrap="square">
               <a:noAutofit/>
             </a:bodyPr>
             <a:lstStyle/>
             <a:p>
-              <a:pPr indent="0" lvl="0" marL="0" rtl="0" algn="l">
+              <a:pPr algn="l" indent="0" lvl="0" marL="0" rtl="0">
                 <a:spcBef>
                   <a:spcPts val="0"/>
                 </a:spcBef>
@@ -2119,12 +2119,12 @@
             </a:ln>
           </p:spPr>
           <p:txBody>
-            <a:bodyPr anchorCtr="0" anchor="ctr" bIns="91425" lIns="91425" spcFirstLastPara="1" rIns="91425" wrap="square" tIns="91425">
+            <a:bodyPr anchor="ctr" anchorCtr="0" bIns="91425" lIns="91425" numCol="1" rIns="91425" spcFirstLastPara="1" tIns="91425" wrap="square">
               <a:noAutofit/>
             </a:bodyPr>
             <a:lstStyle/>
             <a:p>
-              <a:pPr indent="0" lvl="0" marL="0" rtl="0" algn="l">
+              <a:pPr algn="l" indent="0" lvl="0" marL="0" rtl="0">
                 <a:spcBef>
                   <a:spcPts val="0"/>
                 </a:spcBef>
@@ -2166,12 +2166,12 @@
             </a:ln>
           </p:spPr>
           <p:txBody>
-            <a:bodyPr anchorCtr="0" anchor="ctr" bIns="91425" lIns="91425" spcFirstLastPara="1" rIns="91425" wrap="square" tIns="91425">
+            <a:bodyPr anchor="ctr" anchorCtr="0" bIns="91425" lIns="91425" numCol="1" rIns="91425" spcFirstLastPara="1" tIns="91425" wrap="square">
               <a:noAutofit/>
             </a:bodyPr>
             <a:lstStyle/>
             <a:p>
-              <a:pPr indent="0" lvl="0" marL="0" rtl="0" algn="l">
+              <a:pPr algn="l" indent="0" lvl="0" marL="0" rtl="0">
                 <a:spcBef>
                   <a:spcPts val="0"/>
                 </a:spcBef>
@@ -2213,12 +2213,12 @@
             </a:ln>
           </p:spPr>
           <p:txBody>
-            <a:bodyPr anchorCtr="0" anchor="ctr" bIns="91425" lIns="91425" spcFirstLastPara="1" rIns="91425" wrap="square" tIns="91425">
+            <a:bodyPr anchor="ctr" anchorCtr="0" bIns="91425" lIns="91425" numCol="1" rIns="91425" spcFirstLastPara="1" tIns="91425" wrap="square">
               <a:noAutofit/>
             </a:bodyPr>
             <a:lstStyle/>
             <a:p>
-              <a:pPr indent="0" lvl="0" marL="0" rtl="0" algn="l">
+              <a:pPr algn="l" indent="0" lvl="0" marL="0" rtl="0">
                 <a:spcBef>
                   <a:spcPts val="0"/>
                 </a:spcBef>
@@ -2260,12 +2260,12 @@
             </a:ln>
           </p:spPr>
           <p:txBody>
-            <a:bodyPr anchorCtr="0" anchor="ctr" bIns="91425" lIns="91425" spcFirstLastPara="1" rIns="91425" wrap="square" tIns="91425">
+            <a:bodyPr anchor="ctr" anchorCtr="0" bIns="91425" lIns="91425" numCol="1" rIns="91425" spcFirstLastPara="1" tIns="91425" wrap="square">
               <a:noAutofit/>
             </a:bodyPr>
             <a:lstStyle/>
             <a:p>
-              <a:pPr indent="0" lvl="0" marL="0" rtl="0" algn="l">
+              <a:pPr algn="l" indent="0" lvl="0" marL="0" rtl="0">
                 <a:spcBef>
                   <a:spcPts val="0"/>
                 </a:spcBef>
@@ -2307,12 +2307,12 @@
             </a:ln>
           </p:spPr>
           <p:txBody>
-            <a:bodyPr anchorCtr="0" anchor="ctr" bIns="91425" lIns="91425" spcFirstLastPara="1" rIns="91425" wrap="square" tIns="91425">
+            <a:bodyPr anchor="ctr" anchorCtr="0" bIns="91425" lIns="91425" numCol="1" rIns="91425" spcFirstLastPara="1" tIns="91425" wrap="square">
               <a:noAutofit/>
             </a:bodyPr>
             <a:lstStyle/>
             <a:p>
-              <a:pPr indent="0" lvl="0" marL="0" rtl="0" algn="l">
+              <a:pPr algn="l" indent="0" lvl="0" marL="0" rtl="0">
                 <a:spcBef>
                   <a:spcPts val="0"/>
                 </a:spcBef>
@@ -2354,12 +2354,12 @@
             </a:ln>
           </p:spPr>
           <p:txBody>
-            <a:bodyPr anchorCtr="0" anchor="ctr" bIns="91425" lIns="91425" spcFirstLastPara="1" rIns="91425" wrap="square" tIns="91425">
+            <a:bodyPr anchor="ctr" anchorCtr="0" bIns="91425" lIns="91425" numCol="1" rIns="91425" spcFirstLastPara="1" tIns="91425" wrap="square">
               <a:noAutofit/>
             </a:bodyPr>
             <a:lstStyle/>
             <a:p>
-              <a:pPr indent="0" lvl="0" marL="0" rtl="0" algn="l">
+              <a:pPr algn="l" indent="0" lvl="0" marL="0" rtl="0">
                 <a:spcBef>
                   <a:spcPts val="0"/>
                 </a:spcBef>
@@ -2399,12 +2399,12 @@
             </a:ln>
           </p:spPr>
           <p:txBody>
-            <a:bodyPr anchorCtr="0" anchor="ctr" bIns="91425" lIns="91425" spcFirstLastPara="1" rIns="91425" wrap="square" tIns="91425">
+            <a:bodyPr anchor="ctr" anchorCtr="0" bIns="91425" lIns="91425" numCol="1" rIns="91425" spcFirstLastPara="1" tIns="91425" wrap="square">
               <a:noAutofit/>
             </a:bodyPr>
             <a:lstStyle/>
             <a:p>
-              <a:pPr indent="0" lvl="0" marL="0" rtl="0" algn="l">
+              <a:pPr algn="l" indent="0" lvl="0" marL="0" rtl="0">
                 <a:spcBef>
                   <a:spcPts val="0"/>
                 </a:spcBef>
@@ -2446,12 +2446,12 @@
             </a:ln>
           </p:spPr>
           <p:txBody>
-            <a:bodyPr anchorCtr="0" anchor="ctr" bIns="91425" lIns="91425" spcFirstLastPara="1" rIns="91425" wrap="square" tIns="91425">
+            <a:bodyPr anchor="ctr" anchorCtr="0" bIns="91425" lIns="91425" numCol="1" rIns="91425" spcFirstLastPara="1" tIns="91425" wrap="square">
               <a:noAutofit/>
             </a:bodyPr>
             <a:lstStyle/>
             <a:p>
-              <a:pPr indent="0" lvl="0" marL="0" rtl="0" algn="l">
+              <a:pPr algn="l" indent="0" lvl="0" marL="0" rtl="0">
                 <a:spcBef>
                   <a:spcPts val="0"/>
                 </a:spcBef>
@@ -2493,12 +2493,12 @@
             </a:ln>
           </p:spPr>
           <p:txBody>
-            <a:bodyPr anchorCtr="0" anchor="ctr" bIns="91425" lIns="91425" spcFirstLastPara="1" rIns="91425" wrap="square" tIns="91425">
+            <a:bodyPr anchor="ctr" anchorCtr="0" bIns="91425" lIns="91425" numCol="1" rIns="91425" spcFirstLastPara="1" tIns="91425" wrap="square">
               <a:noAutofit/>
             </a:bodyPr>
             <a:lstStyle/>
             <a:p>
-              <a:pPr indent="0" lvl="0" marL="0" rtl="0" algn="l">
+              <a:pPr algn="l" indent="0" lvl="0" marL="0" rtl="0">
                 <a:spcBef>
                   <a:spcPts val="0"/>
                 </a:spcBef>
@@ -2540,12 +2540,12 @@
             </a:ln>
           </p:spPr>
           <p:txBody>
-            <a:bodyPr anchorCtr="0" anchor="ctr" bIns="91425" lIns="91425" spcFirstLastPara="1" rIns="91425" wrap="square" tIns="91425">
+            <a:bodyPr anchor="ctr" anchorCtr="0" bIns="91425" lIns="91425" numCol="1" rIns="91425" spcFirstLastPara="1" tIns="91425" wrap="square">
               <a:noAutofit/>
             </a:bodyPr>
             <a:lstStyle/>
             <a:p>
-              <a:pPr indent="0" lvl="0" marL="0" rtl="0" algn="l">
+              <a:pPr algn="l" indent="0" lvl="0" marL="0" rtl="0">
                 <a:spcBef>
                   <a:spcPts val="0"/>
                 </a:spcBef>
@@ -2587,12 +2587,12 @@
             </a:ln>
           </p:spPr>
           <p:txBody>
-            <a:bodyPr anchorCtr="0" anchor="ctr" bIns="91425" lIns="91425" spcFirstLastPara="1" rIns="91425" wrap="square" tIns="91425">
+            <a:bodyPr anchor="ctr" anchorCtr="0" bIns="91425" lIns="91425" numCol="1" rIns="91425" spcFirstLastPara="1" tIns="91425" wrap="square">
               <a:noAutofit/>
             </a:bodyPr>
             <a:lstStyle/>
             <a:p>
-              <a:pPr indent="0" lvl="0" marL="0" rtl="0" algn="l">
+              <a:pPr algn="l" indent="0" lvl="0" marL="0" rtl="0">
                 <a:spcBef>
                   <a:spcPts val="0"/>
                 </a:spcBef>
@@ -2627,7 +2627,7 @@
           </a:prstGeom>
         </p:spPr>
         <p:txBody>
-          <a:bodyPr anchorCtr="0" anchor="t" bIns="91425" lIns="91425" spcFirstLastPara="1" rIns="91425" wrap="square" tIns="91425">
+          <a:bodyPr anchor="t" anchorCtr="0" bIns="91425" lIns="91425" numCol="1" rIns="91425" spcFirstLastPara="1" tIns="91425" wrap="square">
             <a:normAutofit/>
           </a:bodyPr>
           <a:lstStyle>
@@ -2756,7 +2756,7 @@
           </a:prstGeom>
         </p:spPr>
         <p:txBody>
-          <a:bodyPr anchorCtr="0" anchor="t" bIns="91425" lIns="91425" spcFirstLastPara="1" rIns="91425" wrap="square" tIns="91425">
+          <a:bodyPr anchor="t" anchorCtr="0" bIns="91425" lIns="91425" numCol="1" rIns="91425" spcFirstLastPara="1" tIns="91425" wrap="square">
             <a:normAutofit/>
           </a:bodyPr>
           <a:lstStyle>
@@ -2881,7 +2881,7 @@
           </a:prstGeom>
         </p:spPr>
         <p:txBody>
-          <a:bodyPr anchorCtr="0" anchor="ctr" bIns="91425" lIns="91425" spcFirstLastPara="1" rIns="91425" wrap="square" tIns="91425">
+          <a:bodyPr anchor="ctr" anchorCtr="0" bIns="91425" lIns="91425" numCol="1" rIns="91425" spcFirstLastPara="1" tIns="91425" wrap="square">
             <a:normAutofit/>
           </a:bodyPr>
           <a:lstStyle>
@@ -2923,7 +2923,7 @@
             </a:lvl9pPr>
           </a:lstStyle>
           <a:p>
-            <a:pPr indent="0" lvl="0" marL="0" rtl="0" algn="r">
+            <a:pPr algn="r" indent="0" lvl="0" marL="0" rtl="0">
               <a:spcBef>
                 <a:spcPts val="0"/>
               </a:spcBef>
@@ -2933,7 +2933,7 @@
               <a:buNone/>
             </a:pPr>
             <a:fld id="{00000000-1234-1234-1234-123412341234}" type="slidenum">
-              <a:rPr lang="en-GB"/>
+              <a:rPr altLang="en-GB" lang="en-GB"/>
               <a:t>‹#›</a:t>
             </a:fld>
             <a:endParaRPr/>
@@ -2983,7 +2983,7 @@
           </a:prstGeom>
         </p:spPr>
         <p:txBody>
-          <a:bodyPr anchorCtr="0" anchor="ctr" bIns="91425" lIns="91425" spcFirstLastPara="1" rIns="91425" wrap="square" tIns="91425">
+          <a:bodyPr anchor="ctr" anchorCtr="0" bIns="91425" lIns="91425" numCol="1" rIns="91425" spcFirstLastPara="1" tIns="91425" wrap="square">
             <a:normAutofit/>
           </a:bodyPr>
           <a:lstStyle>
@@ -3025,7 +3025,7 @@
             </a:lvl9pPr>
           </a:lstStyle>
           <a:p>
-            <a:pPr indent="0" lvl="0" marL="0" rtl="0" algn="r">
+            <a:pPr algn="r" indent="0" lvl="0" marL="0" rtl="0">
               <a:spcBef>
                 <a:spcPts val="0"/>
               </a:spcBef>
@@ -3035,7 +3035,7 @@
               <a:buNone/>
             </a:pPr>
             <a:fld id="{00000000-1234-1234-1234-123412341234}" type="slidenum">
-              <a:rPr lang="en-GB"/>
+              <a:rPr altLang="en-GB" lang="en-GB"/>
               <a:t>‹#›</a:t>
             </a:fld>
             <a:endParaRPr/>
@@ -3107,12 +3107,12 @@
             </a:ln>
           </p:spPr>
           <p:txBody>
-            <a:bodyPr anchorCtr="0" anchor="ctr" bIns="91425" lIns="91425" spcFirstLastPara="1" rIns="91425" wrap="square" tIns="91425">
+            <a:bodyPr anchor="ctr" anchorCtr="0" bIns="91425" lIns="91425" numCol="1" rIns="91425" spcFirstLastPara="1" tIns="91425" wrap="square">
               <a:noAutofit/>
             </a:bodyPr>
             <a:lstStyle/>
             <a:p>
-              <a:pPr indent="0" lvl="0" marL="0" rtl="0" algn="l">
+              <a:pPr algn="l" indent="0" lvl="0" marL="0" rtl="0">
                 <a:spcBef>
                   <a:spcPts val="0"/>
                 </a:spcBef>
@@ -3154,12 +3154,12 @@
             </a:ln>
           </p:spPr>
           <p:txBody>
-            <a:bodyPr anchorCtr="0" anchor="ctr" bIns="91425" lIns="91425" spcFirstLastPara="1" rIns="91425" wrap="square" tIns="91425">
+            <a:bodyPr anchor="ctr" anchorCtr="0" bIns="91425" lIns="91425" numCol="1" rIns="91425" spcFirstLastPara="1" tIns="91425" wrap="square">
               <a:noAutofit/>
             </a:bodyPr>
             <a:lstStyle/>
             <a:p>
-              <a:pPr indent="0" lvl="0" marL="0" rtl="0" algn="l">
+              <a:pPr algn="l" indent="0" lvl="0" marL="0" rtl="0">
                 <a:spcBef>
                   <a:spcPts val="0"/>
                 </a:spcBef>
@@ -3201,12 +3201,12 @@
             </a:ln>
           </p:spPr>
           <p:txBody>
-            <a:bodyPr anchorCtr="0" anchor="ctr" bIns="91425" lIns="91425" spcFirstLastPara="1" rIns="91425" wrap="square" tIns="91425">
+            <a:bodyPr anchor="ctr" anchorCtr="0" bIns="91425" lIns="91425" numCol="1" rIns="91425" spcFirstLastPara="1" tIns="91425" wrap="square">
               <a:noAutofit/>
             </a:bodyPr>
             <a:lstStyle/>
             <a:p>
-              <a:pPr indent="0" lvl="0" marL="0" rtl="0" algn="l">
+              <a:pPr algn="l" indent="0" lvl="0" marL="0" rtl="0">
                 <a:spcBef>
                   <a:spcPts val="0"/>
                 </a:spcBef>
@@ -3248,12 +3248,12 @@
             </a:ln>
           </p:spPr>
           <p:txBody>
-            <a:bodyPr anchorCtr="0" anchor="ctr" bIns="91425" lIns="91425" spcFirstLastPara="1" rIns="91425" wrap="square" tIns="91425">
+            <a:bodyPr anchor="ctr" anchorCtr="0" bIns="91425" lIns="91425" numCol="1" rIns="91425" spcFirstLastPara="1" tIns="91425" wrap="square">
               <a:noAutofit/>
             </a:bodyPr>
             <a:lstStyle/>
             <a:p>
-              <a:pPr indent="0" lvl="0" marL="0" rtl="0" algn="l">
+              <a:pPr algn="l" indent="0" lvl="0" marL="0" rtl="0">
                 <a:spcBef>
                   <a:spcPts val="0"/>
                 </a:spcBef>
@@ -3295,12 +3295,12 @@
             </a:ln>
           </p:spPr>
           <p:txBody>
-            <a:bodyPr anchorCtr="0" anchor="ctr" bIns="91425" lIns="91425" spcFirstLastPara="1" rIns="91425" wrap="square" tIns="91425">
+            <a:bodyPr anchor="ctr" anchorCtr="0" bIns="91425" lIns="91425" numCol="1" rIns="91425" spcFirstLastPara="1" tIns="91425" wrap="square">
               <a:noAutofit/>
             </a:bodyPr>
             <a:lstStyle/>
             <a:p>
-              <a:pPr indent="0" lvl="0" marL="0" rtl="0" algn="l">
+              <a:pPr algn="l" indent="0" lvl="0" marL="0" rtl="0">
                 <a:spcBef>
                   <a:spcPts val="0"/>
                 </a:spcBef>
@@ -3342,12 +3342,12 @@
             </a:ln>
           </p:spPr>
           <p:txBody>
-            <a:bodyPr anchorCtr="0" anchor="ctr" bIns="91425" lIns="91425" spcFirstLastPara="1" rIns="91425" wrap="square" tIns="91425">
+            <a:bodyPr anchor="ctr" anchorCtr="0" bIns="91425" lIns="91425" numCol="1" rIns="91425" spcFirstLastPara="1" tIns="91425" wrap="square">
               <a:noAutofit/>
             </a:bodyPr>
             <a:lstStyle/>
             <a:p>
-              <a:pPr indent="0" lvl="0" marL="0" rtl="0" algn="l">
+              <a:pPr algn="l" indent="0" lvl="0" marL="0" rtl="0">
                 <a:spcBef>
                   <a:spcPts val="0"/>
                 </a:spcBef>
@@ -3389,12 +3389,12 @@
             </a:ln>
           </p:spPr>
           <p:txBody>
-            <a:bodyPr anchorCtr="0" anchor="ctr" bIns="91425" lIns="91425" spcFirstLastPara="1" rIns="91425" wrap="square" tIns="91425">
+            <a:bodyPr anchor="ctr" anchorCtr="0" bIns="91425" lIns="91425" numCol="1" rIns="91425" spcFirstLastPara="1" tIns="91425" wrap="square">
               <a:noAutofit/>
             </a:bodyPr>
             <a:lstStyle/>
             <a:p>
-              <a:pPr indent="0" lvl="0" marL="0" rtl="0" algn="l">
+              <a:pPr algn="l" indent="0" lvl="0" marL="0" rtl="0">
                 <a:spcBef>
                   <a:spcPts val="0"/>
                 </a:spcBef>
@@ -3434,12 +3434,12 @@
             </a:ln>
           </p:spPr>
           <p:txBody>
-            <a:bodyPr anchorCtr="0" anchor="ctr" bIns="91425" lIns="91425" spcFirstLastPara="1" rIns="91425" wrap="square" tIns="91425">
+            <a:bodyPr anchor="ctr" anchorCtr="0" bIns="91425" lIns="91425" numCol="1" rIns="91425" spcFirstLastPara="1" tIns="91425" wrap="square">
               <a:noAutofit/>
             </a:bodyPr>
             <a:lstStyle/>
             <a:p>
-              <a:pPr indent="0" lvl="0" marL="0" rtl="0" algn="l">
+              <a:pPr algn="l" indent="0" lvl="0" marL="0" rtl="0">
                 <a:spcBef>
                   <a:spcPts val="0"/>
                 </a:spcBef>
@@ -3481,12 +3481,12 @@
             </a:ln>
           </p:spPr>
           <p:txBody>
-            <a:bodyPr anchorCtr="0" anchor="ctr" bIns="91425" lIns="91425" spcFirstLastPara="1" rIns="91425" wrap="square" tIns="91425">
+            <a:bodyPr anchor="ctr" anchorCtr="0" bIns="91425" lIns="91425" numCol="1" rIns="91425" spcFirstLastPara="1" tIns="91425" wrap="square">
               <a:noAutofit/>
             </a:bodyPr>
             <a:lstStyle/>
             <a:p>
-              <a:pPr indent="0" lvl="0" marL="0" rtl="0" algn="l">
+              <a:pPr algn="l" indent="0" lvl="0" marL="0" rtl="0">
                 <a:spcBef>
                   <a:spcPts val="0"/>
                 </a:spcBef>
@@ -3528,12 +3528,12 @@
             </a:ln>
           </p:spPr>
           <p:txBody>
-            <a:bodyPr anchorCtr="0" anchor="ctr" bIns="91425" lIns="91425" spcFirstLastPara="1" rIns="91425" wrap="square" tIns="91425">
+            <a:bodyPr anchor="ctr" anchorCtr="0" bIns="91425" lIns="91425" numCol="1" rIns="91425" spcFirstLastPara="1" tIns="91425" wrap="square">
               <a:noAutofit/>
             </a:bodyPr>
             <a:lstStyle/>
             <a:p>
-              <a:pPr indent="0" lvl="0" marL="0" rtl="0" algn="l">
+              <a:pPr algn="l" indent="0" lvl="0" marL="0" rtl="0">
                 <a:spcBef>
                   <a:spcPts val="0"/>
                 </a:spcBef>
@@ -3575,12 +3575,12 @@
             </a:ln>
           </p:spPr>
           <p:txBody>
-            <a:bodyPr anchorCtr="0" anchor="ctr" bIns="91425" lIns="91425" spcFirstLastPara="1" rIns="91425" wrap="square" tIns="91425">
+            <a:bodyPr anchor="ctr" anchorCtr="0" bIns="91425" lIns="91425" numCol="1" rIns="91425" spcFirstLastPara="1" tIns="91425" wrap="square">
               <a:noAutofit/>
             </a:bodyPr>
             <a:lstStyle/>
             <a:p>
-              <a:pPr indent="0" lvl="0" marL="0" rtl="0" algn="l">
+              <a:pPr algn="l" indent="0" lvl="0" marL="0" rtl="0">
                 <a:spcBef>
                   <a:spcPts val="0"/>
                 </a:spcBef>
@@ -3622,12 +3622,12 @@
             </a:ln>
           </p:spPr>
           <p:txBody>
-            <a:bodyPr anchorCtr="0" anchor="ctr" bIns="91425" lIns="91425" spcFirstLastPara="1" rIns="91425" wrap="square" tIns="91425">
+            <a:bodyPr anchor="ctr" anchorCtr="0" bIns="91425" lIns="91425" numCol="1" rIns="91425" spcFirstLastPara="1" tIns="91425" wrap="square">
               <a:noAutofit/>
             </a:bodyPr>
             <a:lstStyle/>
             <a:p>
-              <a:pPr indent="0" lvl="0" marL="0" rtl="0" algn="l">
+              <a:pPr algn="l" indent="0" lvl="0" marL="0" rtl="0">
                 <a:spcBef>
                   <a:spcPts val="0"/>
                 </a:spcBef>
@@ -3669,12 +3669,12 @@
             </a:ln>
           </p:spPr>
           <p:txBody>
-            <a:bodyPr anchorCtr="0" anchor="ctr" bIns="91425" lIns="91425" spcFirstLastPara="1" rIns="91425" wrap="square" tIns="91425">
+            <a:bodyPr anchor="ctr" anchorCtr="0" bIns="91425" lIns="91425" numCol="1" rIns="91425" spcFirstLastPara="1" tIns="91425" wrap="square">
               <a:noAutofit/>
             </a:bodyPr>
             <a:lstStyle/>
             <a:p>
-              <a:pPr indent="0" lvl="0" marL="0" rtl="0" algn="l">
+              <a:pPr algn="l" indent="0" lvl="0" marL="0" rtl="0">
                 <a:spcBef>
                   <a:spcPts val="0"/>
                 </a:spcBef>
@@ -3714,12 +3714,12 @@
             </a:ln>
           </p:spPr>
           <p:txBody>
-            <a:bodyPr anchorCtr="0" anchor="ctr" bIns="91425" lIns="91425" spcFirstLastPara="1" rIns="91425" wrap="square" tIns="91425">
+            <a:bodyPr anchor="ctr" anchorCtr="0" bIns="91425" lIns="91425" numCol="1" rIns="91425" spcFirstLastPara="1" tIns="91425" wrap="square">
               <a:noAutofit/>
             </a:bodyPr>
             <a:lstStyle/>
             <a:p>
-              <a:pPr indent="0" lvl="0" marL="0" rtl="0" algn="l">
+              <a:pPr algn="l" indent="0" lvl="0" marL="0" rtl="0">
                 <a:spcBef>
                   <a:spcPts val="0"/>
                 </a:spcBef>
@@ -3761,12 +3761,12 @@
             </a:ln>
           </p:spPr>
           <p:txBody>
-            <a:bodyPr anchorCtr="0" anchor="ctr" bIns="91425" lIns="91425" spcFirstLastPara="1" rIns="91425" wrap="square" tIns="91425">
+            <a:bodyPr anchor="ctr" anchorCtr="0" bIns="91425" lIns="91425" numCol="1" rIns="91425" spcFirstLastPara="1" tIns="91425" wrap="square">
               <a:noAutofit/>
             </a:bodyPr>
             <a:lstStyle/>
             <a:p>
-              <a:pPr indent="0" lvl="0" marL="0" rtl="0" algn="l">
+              <a:pPr algn="l" indent="0" lvl="0" marL="0" rtl="0">
                 <a:spcBef>
                   <a:spcPts val="0"/>
                 </a:spcBef>
@@ -3808,12 +3808,12 @@
             </a:ln>
           </p:spPr>
           <p:txBody>
-            <a:bodyPr anchorCtr="0" anchor="ctr" bIns="91425" lIns="91425" spcFirstLastPara="1" rIns="91425" wrap="square" tIns="91425">
+            <a:bodyPr anchor="ctr" anchorCtr="0" bIns="91425" lIns="91425" numCol="1" rIns="91425" spcFirstLastPara="1" tIns="91425" wrap="square">
               <a:noAutofit/>
             </a:bodyPr>
             <a:lstStyle/>
             <a:p>
-              <a:pPr indent="0" lvl="0" marL="0" rtl="0" algn="l">
+              <a:pPr algn="l" indent="0" lvl="0" marL="0" rtl="0">
                 <a:spcBef>
                   <a:spcPts val="0"/>
                 </a:spcBef>
@@ -3855,12 +3855,12 @@
             </a:ln>
           </p:spPr>
           <p:txBody>
-            <a:bodyPr anchorCtr="0" anchor="ctr" bIns="91425" lIns="91425" spcFirstLastPara="1" rIns="91425" wrap="square" tIns="91425">
+            <a:bodyPr anchor="ctr" anchorCtr="0" bIns="91425" lIns="91425" numCol="1" rIns="91425" spcFirstLastPara="1" tIns="91425" wrap="square">
               <a:noAutofit/>
             </a:bodyPr>
             <a:lstStyle/>
             <a:p>
-              <a:pPr indent="0" lvl="0" marL="0" rtl="0" algn="l">
+              <a:pPr algn="l" indent="0" lvl="0" marL="0" rtl="0">
                 <a:spcBef>
                   <a:spcPts val="0"/>
                 </a:spcBef>
@@ -3902,12 +3902,12 @@
             </a:ln>
           </p:spPr>
           <p:txBody>
-            <a:bodyPr anchorCtr="0" anchor="ctr" bIns="91425" lIns="91425" spcFirstLastPara="1" rIns="91425" wrap="square" tIns="91425">
+            <a:bodyPr anchor="ctr" anchorCtr="0" bIns="91425" lIns="91425" numCol="1" rIns="91425" spcFirstLastPara="1" tIns="91425" wrap="square">
               <a:noAutofit/>
             </a:bodyPr>
             <a:lstStyle/>
             <a:p>
-              <a:pPr indent="0" lvl="0" marL="0" rtl="0" algn="l">
+              <a:pPr algn="l" indent="0" lvl="0" marL="0" rtl="0">
                 <a:spcBef>
                   <a:spcPts val="0"/>
                 </a:spcBef>
@@ -3942,7 +3942,7 @@
           </a:prstGeom>
         </p:spPr>
         <p:txBody>
-          <a:bodyPr anchorCtr="0" anchor="ctr" bIns="91425" lIns="91425" spcFirstLastPara="1" rIns="91425" wrap="square" tIns="91425">
+          <a:bodyPr anchor="ctr" anchorCtr="0" bIns="91425" lIns="91425" numCol="1" rIns="91425" spcFirstLastPara="1" tIns="91425" wrap="square">
             <a:normAutofit/>
           </a:bodyPr>
           <a:lstStyle>
@@ -4067,7 +4067,7 @@
           </a:prstGeom>
         </p:spPr>
         <p:txBody>
-          <a:bodyPr anchorCtr="0" anchor="ctr" bIns="91425" lIns="91425" spcFirstLastPara="1" rIns="91425" wrap="square" tIns="91425">
+          <a:bodyPr anchor="ctr" anchorCtr="0" bIns="91425" lIns="91425" numCol="1" rIns="91425" spcFirstLastPara="1" tIns="91425" wrap="square">
             <a:normAutofit/>
           </a:bodyPr>
           <a:lstStyle>
@@ -4109,7 +4109,7 @@
             </a:lvl9pPr>
           </a:lstStyle>
           <a:p>
-            <a:pPr indent="0" lvl="0" marL="0" rtl="0" algn="r">
+            <a:pPr algn="r" indent="0" lvl="0" marL="0" rtl="0">
               <a:spcBef>
                 <a:spcPts val="0"/>
               </a:spcBef>
@@ -4119,7 +4119,7 @@
               <a:buNone/>
             </a:pPr>
             <a:fld id="{00000000-1234-1234-1234-123412341234}" type="slidenum">
-              <a:rPr lang="en-GB"/>
+              <a:rPr altLang="en-GB" lang="en-GB"/>
               <a:t>‹#›</a:t>
             </a:fld>
             <a:endParaRPr/>
@@ -4189,12 +4189,12 @@
             </a:ln>
           </p:spPr>
           <p:txBody>
-            <a:bodyPr anchorCtr="0" anchor="ctr" bIns="91425" lIns="91425" spcFirstLastPara="1" rIns="91425" wrap="square" tIns="91425">
+            <a:bodyPr anchor="ctr" anchorCtr="0" bIns="91425" lIns="91425" numCol="1" rIns="91425" spcFirstLastPara="1" tIns="91425" wrap="square">
               <a:noAutofit/>
             </a:bodyPr>
             <a:lstStyle/>
             <a:p>
-              <a:pPr indent="0" lvl="0" marL="0" rtl="0" algn="l">
+              <a:pPr algn="l" indent="0" lvl="0" marL="0" rtl="0">
                 <a:spcBef>
                   <a:spcPts val="0"/>
                 </a:spcBef>
@@ -4234,12 +4234,12 @@
             </a:ln>
           </p:spPr>
           <p:txBody>
-            <a:bodyPr anchorCtr="0" anchor="ctr" bIns="91425" lIns="91425" spcFirstLastPara="1" rIns="91425" wrap="square" tIns="91425">
+            <a:bodyPr anchor="ctr" anchorCtr="0" bIns="91425" lIns="91425" numCol="1" rIns="91425" spcFirstLastPara="1" tIns="91425" wrap="square">
               <a:noAutofit/>
             </a:bodyPr>
             <a:lstStyle/>
             <a:p>
-              <a:pPr indent="0" lvl="0" marL="0" rtl="0" algn="l">
+              <a:pPr algn="l" indent="0" lvl="0" marL="0" rtl="0">
                 <a:spcBef>
                   <a:spcPts val="0"/>
                 </a:spcBef>
@@ -4274,7 +4274,7 @@
           </a:prstGeom>
         </p:spPr>
         <p:txBody>
-          <a:bodyPr anchorCtr="0" anchor="t" bIns="91425" lIns="91425" spcFirstLastPara="1" rIns="91425" wrap="square" tIns="91425">
+          <a:bodyPr anchor="t" anchorCtr="0" bIns="91425" lIns="91425" numCol="1" rIns="91425" spcFirstLastPara="1" tIns="91425" wrap="square">
             <a:normAutofit/>
           </a:bodyPr>
           <a:lstStyle>
@@ -4399,7 +4399,7 @@
           </a:prstGeom>
         </p:spPr>
         <p:txBody>
-          <a:bodyPr anchorCtr="0" anchor="t" bIns="91425" lIns="91425" spcFirstLastPara="1" rIns="91425" wrap="square" tIns="91425">
+          <a:bodyPr anchor="t" anchorCtr="0" bIns="91425" lIns="91425" numCol="1" rIns="91425" spcFirstLastPara="1" tIns="91425" wrap="square">
             <a:normAutofit/>
           </a:bodyPr>
           <a:lstStyle>
@@ -4524,7 +4524,7 @@
           </a:prstGeom>
         </p:spPr>
         <p:txBody>
-          <a:bodyPr anchorCtr="0" anchor="ctr" bIns="91425" lIns="91425" spcFirstLastPara="1" rIns="91425" wrap="square" tIns="91425">
+          <a:bodyPr anchor="ctr" anchorCtr="0" bIns="91425" lIns="91425" numCol="1" rIns="91425" spcFirstLastPara="1" tIns="91425" wrap="square">
             <a:normAutofit/>
           </a:bodyPr>
           <a:lstStyle>
@@ -4566,7 +4566,7 @@
             </a:lvl9pPr>
           </a:lstStyle>
           <a:p>
-            <a:pPr indent="0" lvl="0" marL="0" rtl="0" algn="r">
+            <a:pPr algn="r" indent="0" lvl="0" marL="0" rtl="0">
               <a:spcBef>
                 <a:spcPts val="0"/>
               </a:spcBef>
@@ -4576,7 +4576,7 @@
               <a:buNone/>
             </a:pPr>
             <a:fld id="{00000000-1234-1234-1234-123412341234}" type="slidenum">
-              <a:rPr lang="en-GB"/>
+              <a:rPr altLang="en-GB" lang="en-GB"/>
               <a:t>‹#›</a:t>
             </a:fld>
             <a:endParaRPr/>
@@ -4646,12 +4646,12 @@
             </a:ln>
           </p:spPr>
           <p:txBody>
-            <a:bodyPr anchorCtr="0" anchor="ctr" bIns="91425" lIns="91425" spcFirstLastPara="1" rIns="91425" wrap="square" tIns="91425">
+            <a:bodyPr anchor="ctr" anchorCtr="0" bIns="91425" lIns="91425" numCol="1" rIns="91425" spcFirstLastPara="1" tIns="91425" wrap="square">
               <a:noAutofit/>
             </a:bodyPr>
             <a:lstStyle/>
             <a:p>
-              <a:pPr indent="0" lvl="0" marL="0" rtl="0" algn="l">
+              <a:pPr algn="l" indent="0" lvl="0" marL="0" rtl="0">
                 <a:spcBef>
                   <a:spcPts val="0"/>
                 </a:spcBef>
@@ -4691,12 +4691,12 @@
             </a:ln>
           </p:spPr>
           <p:txBody>
-            <a:bodyPr anchorCtr="0" anchor="ctr" bIns="91425" lIns="91425" spcFirstLastPara="1" rIns="91425" wrap="square" tIns="91425">
+            <a:bodyPr anchor="ctr" anchorCtr="0" bIns="91425" lIns="91425" numCol="1" rIns="91425" spcFirstLastPara="1" tIns="91425" wrap="square">
               <a:noAutofit/>
             </a:bodyPr>
             <a:lstStyle/>
             <a:p>
-              <a:pPr indent="0" lvl="0" marL="0" rtl="0" algn="l">
+              <a:pPr algn="l" indent="0" lvl="0" marL="0" rtl="0">
                 <a:spcBef>
                   <a:spcPts val="0"/>
                 </a:spcBef>
@@ -4731,7 +4731,7 @@
           </a:prstGeom>
         </p:spPr>
         <p:txBody>
-          <a:bodyPr anchorCtr="0" anchor="t" bIns="91425" lIns="91425" spcFirstLastPara="1" rIns="91425" wrap="square" tIns="91425">
+          <a:bodyPr anchor="t" anchorCtr="0" bIns="91425" lIns="91425" numCol="1" rIns="91425" spcFirstLastPara="1" tIns="91425" wrap="square">
             <a:normAutofit/>
           </a:bodyPr>
           <a:lstStyle>
@@ -4856,7 +4856,7 @@
           </a:prstGeom>
         </p:spPr>
         <p:txBody>
-          <a:bodyPr anchorCtr="0" anchor="t" bIns="91425" lIns="91425" spcFirstLastPara="1" rIns="91425" wrap="square" tIns="91425">
+          <a:bodyPr anchor="t" anchorCtr="0" bIns="91425" lIns="91425" numCol="1" rIns="91425" spcFirstLastPara="1" tIns="91425" wrap="square">
             <a:normAutofit/>
           </a:bodyPr>
           <a:lstStyle>
@@ -4981,7 +4981,7 @@
           </a:prstGeom>
         </p:spPr>
         <p:txBody>
-          <a:bodyPr anchorCtr="0" anchor="t" bIns="91425" lIns="91425" spcFirstLastPara="1" rIns="91425" wrap="square" tIns="91425">
+          <a:bodyPr anchor="t" anchorCtr="0" bIns="91425" lIns="91425" numCol="1" rIns="91425" spcFirstLastPara="1" tIns="91425" wrap="square">
             <a:normAutofit/>
           </a:bodyPr>
           <a:lstStyle>
@@ -5106,7 +5106,7 @@
           </a:prstGeom>
         </p:spPr>
         <p:txBody>
-          <a:bodyPr anchorCtr="0" anchor="ctr" bIns="91425" lIns="91425" spcFirstLastPara="1" rIns="91425" wrap="square" tIns="91425">
+          <a:bodyPr anchor="ctr" anchorCtr="0" bIns="91425" lIns="91425" numCol="1" rIns="91425" spcFirstLastPara="1" tIns="91425" wrap="square">
             <a:normAutofit/>
           </a:bodyPr>
           <a:lstStyle>
@@ -5148,7 +5148,7 @@
             </a:lvl9pPr>
           </a:lstStyle>
           <a:p>
-            <a:pPr indent="0" lvl="0" marL="0" rtl="0" algn="r">
+            <a:pPr algn="r" indent="0" lvl="0" marL="0" rtl="0">
               <a:spcBef>
                 <a:spcPts val="0"/>
               </a:spcBef>
@@ -5158,7 +5158,7 @@
               <a:buNone/>
             </a:pPr>
             <a:fld id="{00000000-1234-1234-1234-123412341234}" type="slidenum">
-              <a:rPr lang="en-GB"/>
+              <a:rPr altLang="en-GB" lang="en-GB"/>
               <a:t>‹#›</a:t>
             </a:fld>
             <a:endParaRPr/>
@@ -5228,12 +5228,12 @@
             </a:ln>
           </p:spPr>
           <p:txBody>
-            <a:bodyPr anchorCtr="0" anchor="ctr" bIns="91425" lIns="91425" spcFirstLastPara="1" rIns="91425" wrap="square" tIns="91425">
+            <a:bodyPr anchor="ctr" anchorCtr="0" bIns="91425" lIns="91425" numCol="1" rIns="91425" spcFirstLastPara="1" tIns="91425" wrap="square">
               <a:noAutofit/>
             </a:bodyPr>
             <a:lstStyle/>
             <a:p>
-              <a:pPr indent="0" lvl="0" marL="0" rtl="0" algn="l">
+              <a:pPr algn="l" indent="0" lvl="0" marL="0" rtl="0">
                 <a:spcBef>
                   <a:spcPts val="0"/>
                 </a:spcBef>
@@ -5273,12 +5273,12 @@
             </a:ln>
           </p:spPr>
           <p:txBody>
-            <a:bodyPr anchorCtr="0" anchor="ctr" bIns="91425" lIns="91425" spcFirstLastPara="1" rIns="91425" wrap="square" tIns="91425">
+            <a:bodyPr anchor="ctr" anchorCtr="0" bIns="91425" lIns="91425" numCol="1" rIns="91425" spcFirstLastPara="1" tIns="91425" wrap="square">
               <a:noAutofit/>
             </a:bodyPr>
             <a:lstStyle/>
             <a:p>
-              <a:pPr indent="0" lvl="0" marL="0" rtl="0" algn="l">
+              <a:pPr algn="l" indent="0" lvl="0" marL="0" rtl="0">
                 <a:spcBef>
                   <a:spcPts val="0"/>
                 </a:spcBef>
@@ -5313,7 +5313,7 @@
           </a:prstGeom>
         </p:spPr>
         <p:txBody>
-          <a:bodyPr anchorCtr="0" anchor="t" bIns="91425" lIns="91425" spcFirstLastPara="1" rIns="91425" wrap="square" tIns="91425">
+          <a:bodyPr anchor="t" anchorCtr="0" bIns="91425" lIns="91425" numCol="1" rIns="91425" spcFirstLastPara="1" tIns="91425" wrap="square">
             <a:normAutofit/>
           </a:bodyPr>
           <a:lstStyle>
@@ -5438,7 +5438,7 @@
           </a:prstGeom>
         </p:spPr>
         <p:txBody>
-          <a:bodyPr anchorCtr="0" anchor="ctr" bIns="91425" lIns="91425" spcFirstLastPara="1" rIns="91425" wrap="square" tIns="91425">
+          <a:bodyPr anchor="ctr" anchorCtr="0" bIns="91425" lIns="91425" numCol="1" rIns="91425" spcFirstLastPara="1" tIns="91425" wrap="square">
             <a:normAutofit/>
           </a:bodyPr>
           <a:lstStyle>
@@ -5480,7 +5480,7 @@
             </a:lvl9pPr>
           </a:lstStyle>
           <a:p>
-            <a:pPr indent="0" lvl="0" marL="0" rtl="0" algn="r">
+            <a:pPr algn="r" indent="0" lvl="0" marL="0" rtl="0">
               <a:spcBef>
                 <a:spcPts val="0"/>
               </a:spcBef>
@@ -5490,7 +5490,7 @@
               <a:buNone/>
             </a:pPr>
             <a:fld id="{00000000-1234-1234-1234-123412341234}" type="slidenum">
-              <a:rPr lang="en-GB"/>
+              <a:rPr altLang="en-GB" lang="en-GB"/>
               <a:t>‹#›</a:t>
             </a:fld>
             <a:endParaRPr/>
@@ -5560,12 +5560,12 @@
             </a:ln>
           </p:spPr>
           <p:txBody>
-            <a:bodyPr anchorCtr="0" anchor="ctr" bIns="91425" lIns="91425" spcFirstLastPara="1" rIns="91425" wrap="square" tIns="91425">
+            <a:bodyPr anchor="ctr" anchorCtr="0" bIns="91425" lIns="91425" numCol="1" rIns="91425" spcFirstLastPara="1" tIns="91425" wrap="square">
               <a:noAutofit/>
             </a:bodyPr>
             <a:lstStyle/>
             <a:p>
-              <a:pPr indent="0" lvl="0" marL="0" rtl="0" algn="l">
+              <a:pPr algn="l" indent="0" lvl="0" marL="0" rtl="0">
                 <a:spcBef>
                   <a:spcPts val="0"/>
                 </a:spcBef>
@@ -5605,12 +5605,12 @@
             </a:ln>
           </p:spPr>
           <p:txBody>
-            <a:bodyPr anchorCtr="0" anchor="ctr" bIns="91425" lIns="91425" spcFirstLastPara="1" rIns="91425" wrap="square" tIns="91425">
+            <a:bodyPr anchor="ctr" anchorCtr="0" bIns="91425" lIns="91425" numCol="1" rIns="91425" spcFirstLastPara="1" tIns="91425" wrap="square">
               <a:noAutofit/>
             </a:bodyPr>
             <a:lstStyle/>
             <a:p>
-              <a:pPr indent="0" lvl="0" marL="0" rtl="0" algn="l">
+              <a:pPr algn="l" indent="0" lvl="0" marL="0" rtl="0">
                 <a:spcBef>
                   <a:spcPts val="0"/>
                 </a:spcBef>
@@ -5645,7 +5645,7 @@
           </a:prstGeom>
         </p:spPr>
         <p:txBody>
-          <a:bodyPr anchorCtr="0" anchor="t" bIns="91425" lIns="91425" spcFirstLastPara="1" rIns="91425" wrap="square" tIns="91425">
+          <a:bodyPr anchor="t" anchorCtr="0" bIns="91425" lIns="91425" numCol="1" rIns="91425" spcFirstLastPara="1" tIns="91425" wrap="square">
             <a:normAutofit/>
           </a:bodyPr>
           <a:lstStyle>
@@ -5770,7 +5770,7 @@
           </a:prstGeom>
         </p:spPr>
         <p:txBody>
-          <a:bodyPr anchorCtr="0" anchor="t" bIns="91425" lIns="91425" spcFirstLastPara="1" rIns="91425" wrap="square" tIns="91425">
+          <a:bodyPr anchor="t" anchorCtr="0" bIns="91425" lIns="91425" numCol="1" rIns="91425" spcFirstLastPara="1" tIns="91425" wrap="square">
             <a:normAutofit/>
           </a:bodyPr>
           <a:lstStyle>
@@ -5895,7 +5895,7 @@
           </a:prstGeom>
         </p:spPr>
         <p:txBody>
-          <a:bodyPr anchorCtr="0" anchor="ctr" bIns="91425" lIns="91425" spcFirstLastPara="1" rIns="91425" wrap="square" tIns="91425">
+          <a:bodyPr anchor="ctr" anchorCtr="0" bIns="91425" lIns="91425" numCol="1" rIns="91425" spcFirstLastPara="1" tIns="91425" wrap="square">
             <a:normAutofit/>
           </a:bodyPr>
           <a:lstStyle>
@@ -5937,7 +5937,7 @@
             </a:lvl9pPr>
           </a:lstStyle>
           <a:p>
-            <a:pPr indent="0" lvl="0" marL="0" rtl="0" algn="r">
+            <a:pPr algn="r" indent="0" lvl="0" marL="0" rtl="0">
               <a:spcBef>
                 <a:spcPts val="0"/>
               </a:spcBef>
@@ -5947,7 +5947,7 @@
               <a:buNone/>
             </a:pPr>
             <a:fld id="{00000000-1234-1234-1234-123412341234}" type="slidenum">
-              <a:rPr lang="en-GB"/>
+              <a:rPr altLang="en-GB" lang="en-GB"/>
               <a:t>‹#›</a:t>
             </a:fld>
             <a:endParaRPr/>
@@ -6019,12 +6019,12 @@
             </a:ln>
           </p:spPr>
           <p:txBody>
-            <a:bodyPr anchorCtr="0" anchor="ctr" bIns="91425" lIns="91425" spcFirstLastPara="1" rIns="91425" wrap="square" tIns="91425">
+            <a:bodyPr anchor="ctr" anchorCtr="0" bIns="91425" lIns="91425" numCol="1" rIns="91425" spcFirstLastPara="1" tIns="91425" wrap="square">
               <a:noAutofit/>
             </a:bodyPr>
             <a:lstStyle/>
             <a:p>
-              <a:pPr indent="0" lvl="0" marL="0" rtl="0" algn="l">
+              <a:pPr algn="l" indent="0" lvl="0" marL="0" rtl="0">
                 <a:spcBef>
                   <a:spcPts val="0"/>
                 </a:spcBef>
@@ -6066,12 +6066,12 @@
             </a:ln>
           </p:spPr>
           <p:txBody>
-            <a:bodyPr anchorCtr="0" anchor="ctr" bIns="91425" lIns="91425" spcFirstLastPara="1" rIns="91425" wrap="square" tIns="91425">
+            <a:bodyPr anchor="ctr" anchorCtr="0" bIns="91425" lIns="91425" numCol="1" rIns="91425" spcFirstLastPara="1" tIns="91425" wrap="square">
               <a:noAutofit/>
             </a:bodyPr>
             <a:lstStyle/>
             <a:p>
-              <a:pPr indent="0" lvl="0" marL="0" rtl="0" algn="l">
+              <a:pPr algn="l" indent="0" lvl="0" marL="0" rtl="0">
                 <a:spcBef>
                   <a:spcPts val="0"/>
                 </a:spcBef>
@@ -6113,12 +6113,12 @@
             </a:ln>
           </p:spPr>
           <p:txBody>
-            <a:bodyPr anchorCtr="0" anchor="ctr" bIns="91425" lIns="91425" spcFirstLastPara="1" rIns="91425" wrap="square" tIns="91425">
+            <a:bodyPr anchor="ctr" anchorCtr="0" bIns="91425" lIns="91425" numCol="1" rIns="91425" spcFirstLastPara="1" tIns="91425" wrap="square">
               <a:noAutofit/>
             </a:bodyPr>
             <a:lstStyle/>
             <a:p>
-              <a:pPr indent="0" lvl="0" marL="0" rtl="0" algn="l">
+              <a:pPr algn="l" indent="0" lvl="0" marL="0" rtl="0">
                 <a:spcBef>
                   <a:spcPts val="0"/>
                 </a:spcBef>
@@ -6160,12 +6160,12 @@
             </a:ln>
           </p:spPr>
           <p:txBody>
-            <a:bodyPr anchorCtr="0" anchor="ctr" bIns="91425" lIns="91425" spcFirstLastPara="1" rIns="91425" wrap="square" tIns="91425">
+            <a:bodyPr anchor="ctr" anchorCtr="0" bIns="91425" lIns="91425" numCol="1" rIns="91425" spcFirstLastPara="1" tIns="91425" wrap="square">
               <a:noAutofit/>
             </a:bodyPr>
             <a:lstStyle/>
             <a:p>
-              <a:pPr indent="0" lvl="0" marL="0" rtl="0" algn="l">
+              <a:pPr algn="l" indent="0" lvl="0" marL="0" rtl="0">
                 <a:spcBef>
                   <a:spcPts val="0"/>
                 </a:spcBef>
@@ -6207,12 +6207,12 @@
             </a:ln>
           </p:spPr>
           <p:txBody>
-            <a:bodyPr anchorCtr="0" anchor="ctr" bIns="91425" lIns="91425" spcFirstLastPara="1" rIns="91425" wrap="square" tIns="91425">
+            <a:bodyPr anchor="ctr" anchorCtr="0" bIns="91425" lIns="91425" numCol="1" rIns="91425" spcFirstLastPara="1" tIns="91425" wrap="square">
               <a:noAutofit/>
             </a:bodyPr>
             <a:lstStyle/>
             <a:p>
-              <a:pPr indent="0" lvl="0" marL="0" rtl="0" algn="l">
+              <a:pPr algn="l" indent="0" lvl="0" marL="0" rtl="0">
                 <a:spcBef>
                   <a:spcPts val="0"/>
                 </a:spcBef>
@@ -6254,12 +6254,12 @@
             </a:ln>
           </p:spPr>
           <p:txBody>
-            <a:bodyPr anchorCtr="0" anchor="ctr" bIns="91425" lIns="91425" spcFirstLastPara="1" rIns="91425" wrap="square" tIns="91425">
+            <a:bodyPr anchor="ctr" anchorCtr="0" bIns="91425" lIns="91425" numCol="1" rIns="91425" spcFirstLastPara="1" tIns="91425" wrap="square">
               <a:noAutofit/>
             </a:bodyPr>
             <a:lstStyle/>
             <a:p>
-              <a:pPr indent="0" lvl="0" marL="0" rtl="0" algn="l">
+              <a:pPr algn="l" indent="0" lvl="0" marL="0" rtl="0">
                 <a:spcBef>
                   <a:spcPts val="0"/>
                 </a:spcBef>
@@ -6301,12 +6301,12 @@
             </a:ln>
           </p:spPr>
           <p:txBody>
-            <a:bodyPr anchorCtr="0" anchor="ctr" bIns="91425" lIns="91425" spcFirstLastPara="1" rIns="91425" wrap="square" tIns="91425">
+            <a:bodyPr anchor="ctr" anchorCtr="0" bIns="91425" lIns="91425" numCol="1" rIns="91425" spcFirstLastPara="1" tIns="91425" wrap="square">
               <a:noAutofit/>
             </a:bodyPr>
             <a:lstStyle/>
             <a:p>
-              <a:pPr indent="0" lvl="0" marL="0" rtl="0" algn="l">
+              <a:pPr algn="l" indent="0" lvl="0" marL="0" rtl="0">
                 <a:spcBef>
                   <a:spcPts val="0"/>
                 </a:spcBef>
@@ -6346,12 +6346,12 @@
             </a:ln>
           </p:spPr>
           <p:txBody>
-            <a:bodyPr anchorCtr="0" anchor="ctr" bIns="91425" lIns="91425" spcFirstLastPara="1" rIns="91425" wrap="square" tIns="91425">
+            <a:bodyPr anchor="ctr" anchorCtr="0" bIns="91425" lIns="91425" numCol="1" rIns="91425" spcFirstLastPara="1" tIns="91425" wrap="square">
               <a:noAutofit/>
             </a:bodyPr>
             <a:lstStyle/>
             <a:p>
-              <a:pPr indent="0" lvl="0" marL="0" rtl="0" algn="l">
+              <a:pPr algn="l" indent="0" lvl="0" marL="0" rtl="0">
                 <a:spcBef>
                   <a:spcPts val="0"/>
                 </a:spcBef>
@@ -6393,12 +6393,12 @@
             </a:ln>
           </p:spPr>
           <p:txBody>
-            <a:bodyPr anchorCtr="0" anchor="ctr" bIns="91425" lIns="91425" spcFirstLastPara="1" rIns="91425" wrap="square" tIns="91425">
+            <a:bodyPr anchor="ctr" anchorCtr="0" bIns="91425" lIns="91425" numCol="1" rIns="91425" spcFirstLastPara="1" tIns="91425" wrap="square">
               <a:noAutofit/>
             </a:bodyPr>
             <a:lstStyle/>
             <a:p>
-              <a:pPr indent="0" lvl="0" marL="0" rtl="0" algn="l">
+              <a:pPr algn="l" indent="0" lvl="0" marL="0" rtl="0">
                 <a:spcBef>
                   <a:spcPts val="0"/>
                 </a:spcBef>
@@ -6440,12 +6440,12 @@
             </a:ln>
           </p:spPr>
           <p:txBody>
-            <a:bodyPr anchorCtr="0" anchor="ctr" bIns="91425" lIns="91425" spcFirstLastPara="1" rIns="91425" wrap="square" tIns="91425">
+            <a:bodyPr anchor="ctr" anchorCtr="0" bIns="91425" lIns="91425" numCol="1" rIns="91425" spcFirstLastPara="1" tIns="91425" wrap="square">
               <a:noAutofit/>
             </a:bodyPr>
             <a:lstStyle/>
             <a:p>
-              <a:pPr indent="0" lvl="0" marL="0" rtl="0" algn="l">
+              <a:pPr algn="l" indent="0" lvl="0" marL="0" rtl="0">
                 <a:spcBef>
                   <a:spcPts val="0"/>
                 </a:spcBef>
@@ -6487,12 +6487,12 @@
             </a:ln>
           </p:spPr>
           <p:txBody>
-            <a:bodyPr anchorCtr="0" anchor="ctr" bIns="91425" lIns="91425" spcFirstLastPara="1" rIns="91425" wrap="square" tIns="91425">
+            <a:bodyPr anchor="ctr" anchorCtr="0" bIns="91425" lIns="91425" numCol="1" rIns="91425" spcFirstLastPara="1" tIns="91425" wrap="square">
               <a:noAutofit/>
             </a:bodyPr>
             <a:lstStyle/>
             <a:p>
-              <a:pPr indent="0" lvl="0" marL="0" rtl="0" algn="l">
+              <a:pPr algn="l" indent="0" lvl="0" marL="0" rtl="0">
                 <a:spcBef>
                   <a:spcPts val="0"/>
                 </a:spcBef>
@@ -6534,12 +6534,12 @@
             </a:ln>
           </p:spPr>
           <p:txBody>
-            <a:bodyPr anchorCtr="0" anchor="ctr" bIns="91425" lIns="91425" spcFirstLastPara="1" rIns="91425" wrap="square" tIns="91425">
+            <a:bodyPr anchor="ctr" anchorCtr="0" bIns="91425" lIns="91425" numCol="1" rIns="91425" spcFirstLastPara="1" tIns="91425" wrap="square">
               <a:noAutofit/>
             </a:bodyPr>
             <a:lstStyle/>
             <a:p>
-              <a:pPr indent="0" lvl="0" marL="0" rtl="0" algn="l">
+              <a:pPr algn="l" indent="0" lvl="0" marL="0" rtl="0">
                 <a:spcBef>
                   <a:spcPts val="0"/>
                 </a:spcBef>
@@ -6581,12 +6581,12 @@
             </a:ln>
           </p:spPr>
           <p:txBody>
-            <a:bodyPr anchorCtr="0" anchor="ctr" bIns="91425" lIns="91425" spcFirstLastPara="1" rIns="91425" wrap="square" tIns="91425">
+            <a:bodyPr anchor="ctr" anchorCtr="0" bIns="91425" lIns="91425" numCol="1" rIns="91425" spcFirstLastPara="1" tIns="91425" wrap="square">
               <a:noAutofit/>
             </a:bodyPr>
             <a:lstStyle/>
             <a:p>
-              <a:pPr indent="0" lvl="0" marL="0" rtl="0" algn="l">
+              <a:pPr algn="l" indent="0" lvl="0" marL="0" rtl="0">
                 <a:spcBef>
                   <a:spcPts val="0"/>
                 </a:spcBef>
@@ -6626,12 +6626,12 @@
             </a:ln>
           </p:spPr>
           <p:txBody>
-            <a:bodyPr anchorCtr="0" anchor="ctr" bIns="91425" lIns="91425" spcFirstLastPara="1" rIns="91425" wrap="square" tIns="91425">
+            <a:bodyPr anchor="ctr" anchorCtr="0" bIns="91425" lIns="91425" numCol="1" rIns="91425" spcFirstLastPara="1" tIns="91425" wrap="square">
               <a:noAutofit/>
             </a:bodyPr>
             <a:lstStyle/>
             <a:p>
-              <a:pPr indent="0" lvl="0" marL="0" rtl="0" algn="l">
+              <a:pPr algn="l" indent="0" lvl="0" marL="0" rtl="0">
                 <a:spcBef>
                   <a:spcPts val="0"/>
                 </a:spcBef>
@@ -6673,12 +6673,12 @@
             </a:ln>
           </p:spPr>
           <p:txBody>
-            <a:bodyPr anchorCtr="0" anchor="ctr" bIns="91425" lIns="91425" spcFirstLastPara="1" rIns="91425" wrap="square" tIns="91425">
+            <a:bodyPr anchor="ctr" anchorCtr="0" bIns="91425" lIns="91425" numCol="1" rIns="91425" spcFirstLastPara="1" tIns="91425" wrap="square">
               <a:noAutofit/>
             </a:bodyPr>
             <a:lstStyle/>
             <a:p>
-              <a:pPr indent="0" lvl="0" marL="0" rtl="0" algn="l">
+              <a:pPr algn="l" indent="0" lvl="0" marL="0" rtl="0">
                 <a:spcBef>
                   <a:spcPts val="0"/>
                 </a:spcBef>
@@ -6720,12 +6720,12 @@
             </a:ln>
           </p:spPr>
           <p:txBody>
-            <a:bodyPr anchorCtr="0" anchor="ctr" bIns="91425" lIns="91425" spcFirstLastPara="1" rIns="91425" wrap="square" tIns="91425">
+            <a:bodyPr anchor="ctr" anchorCtr="0" bIns="91425" lIns="91425" numCol="1" rIns="91425" spcFirstLastPara="1" tIns="91425" wrap="square">
               <a:noAutofit/>
             </a:bodyPr>
             <a:lstStyle/>
             <a:p>
-              <a:pPr indent="0" lvl="0" marL="0" rtl="0" algn="l">
+              <a:pPr algn="l" indent="0" lvl="0" marL="0" rtl="0">
                 <a:spcBef>
                   <a:spcPts val="0"/>
                 </a:spcBef>
@@ -6767,12 +6767,12 @@
             </a:ln>
           </p:spPr>
           <p:txBody>
-            <a:bodyPr anchorCtr="0" anchor="ctr" bIns="91425" lIns="91425" spcFirstLastPara="1" rIns="91425" wrap="square" tIns="91425">
+            <a:bodyPr anchor="ctr" anchorCtr="0" bIns="91425" lIns="91425" numCol="1" rIns="91425" spcFirstLastPara="1" tIns="91425" wrap="square">
               <a:noAutofit/>
             </a:bodyPr>
             <a:lstStyle/>
             <a:p>
-              <a:pPr indent="0" lvl="0" marL="0" rtl="0" algn="l">
+              <a:pPr algn="l" indent="0" lvl="0" marL="0" rtl="0">
                 <a:spcBef>
                   <a:spcPts val="0"/>
                 </a:spcBef>
@@ -6814,12 +6814,12 @@
             </a:ln>
           </p:spPr>
           <p:txBody>
-            <a:bodyPr anchorCtr="0" anchor="ctr" bIns="91425" lIns="91425" spcFirstLastPara="1" rIns="91425" wrap="square" tIns="91425">
+            <a:bodyPr anchor="ctr" anchorCtr="0" bIns="91425" lIns="91425" numCol="1" rIns="91425" spcFirstLastPara="1" tIns="91425" wrap="square">
               <a:noAutofit/>
             </a:bodyPr>
             <a:lstStyle/>
             <a:p>
-              <a:pPr indent="0" lvl="0" marL="0" rtl="0" algn="l">
+              <a:pPr algn="l" indent="0" lvl="0" marL="0" rtl="0">
                 <a:spcBef>
                   <a:spcPts val="0"/>
                 </a:spcBef>
@@ -6854,7 +6854,7 @@
           </a:prstGeom>
         </p:spPr>
         <p:txBody>
-          <a:bodyPr anchorCtr="0" anchor="ctr" bIns="91425" lIns="91425" spcFirstLastPara="1" rIns="91425" wrap="square" tIns="91425">
+          <a:bodyPr anchor="ctr" anchorCtr="0" bIns="91425" lIns="91425" numCol="1" rIns="91425" spcFirstLastPara="1" tIns="91425" wrap="square">
             <a:normAutofit/>
           </a:bodyPr>
           <a:lstStyle>
@@ -6979,7 +6979,7 @@
           </a:prstGeom>
         </p:spPr>
         <p:txBody>
-          <a:bodyPr anchorCtr="0" anchor="ctr" bIns="91425" lIns="91425" spcFirstLastPara="1" rIns="91425" wrap="square" tIns="91425">
+          <a:bodyPr anchor="ctr" anchorCtr="0" bIns="91425" lIns="91425" numCol="1" rIns="91425" spcFirstLastPara="1" tIns="91425" wrap="square">
             <a:normAutofit/>
           </a:bodyPr>
           <a:lstStyle>
@@ -7021,7 +7021,7 @@
             </a:lvl9pPr>
           </a:lstStyle>
           <a:p>
-            <a:pPr indent="0" lvl="0" marL="0" rtl="0" algn="r">
+            <a:pPr algn="r" indent="0" lvl="0" marL="0" rtl="0">
               <a:spcBef>
                 <a:spcPts val="0"/>
               </a:spcBef>
@@ -7031,7 +7031,7 @@
               <a:buNone/>
             </a:pPr>
             <a:fld id="{00000000-1234-1234-1234-123412341234}" type="slidenum">
-              <a:rPr lang="en-GB"/>
+              <a:rPr altLang="en-GB" lang="en-GB"/>
               <a:t>‹#›</a:t>
             </a:fld>
             <a:endParaRPr/>
@@ -7101,12 +7101,12 @@
             </a:ln>
           </p:spPr>
           <p:txBody>
-            <a:bodyPr anchorCtr="0" anchor="ctr" bIns="91425" lIns="91425" spcFirstLastPara="1" rIns="91425" wrap="square" tIns="91425">
+            <a:bodyPr anchor="ctr" anchorCtr="0" bIns="91425" lIns="91425" numCol="1" rIns="91425" spcFirstLastPara="1" tIns="91425" wrap="square">
               <a:noAutofit/>
             </a:bodyPr>
             <a:lstStyle/>
             <a:p>
-              <a:pPr indent="0" lvl="0" marL="0" rtl="0" algn="l">
+              <a:pPr algn="l" indent="0" lvl="0" marL="0" rtl="0">
                 <a:spcBef>
                   <a:spcPts val="0"/>
                 </a:spcBef>
@@ -7146,12 +7146,12 @@
             </a:ln>
           </p:spPr>
           <p:txBody>
-            <a:bodyPr anchorCtr="0" anchor="ctr" bIns="91425" lIns="91425" spcFirstLastPara="1" rIns="91425" wrap="square" tIns="91425">
+            <a:bodyPr anchor="ctr" anchorCtr="0" bIns="91425" lIns="91425" numCol="1" rIns="91425" spcFirstLastPara="1" tIns="91425" wrap="square">
               <a:noAutofit/>
             </a:bodyPr>
             <a:lstStyle/>
             <a:p>
-              <a:pPr indent="0" lvl="0" marL="0" rtl="0" algn="l">
+              <a:pPr algn="l" indent="0" lvl="0" marL="0" rtl="0">
                 <a:spcBef>
                   <a:spcPts val="0"/>
                 </a:spcBef>
@@ -7186,7 +7186,7 @@
           </a:prstGeom>
         </p:spPr>
         <p:txBody>
-          <a:bodyPr anchorCtr="0" anchor="t" bIns="91425" lIns="91425" spcFirstLastPara="1" rIns="91425" wrap="square" tIns="91425">
+          <a:bodyPr anchor="t" anchorCtr="0" bIns="91425" lIns="91425" numCol="1" rIns="91425" spcFirstLastPara="1" tIns="91425" wrap="square">
             <a:normAutofit/>
           </a:bodyPr>
           <a:lstStyle>
@@ -7311,7 +7311,7 @@
           </a:prstGeom>
         </p:spPr>
         <p:txBody>
-          <a:bodyPr anchorCtr="0" anchor="t" bIns="91425" lIns="91425" spcFirstLastPara="1" rIns="91425" wrap="square" tIns="91425">
+          <a:bodyPr anchor="t" anchorCtr="0" bIns="91425" lIns="91425" numCol="1" rIns="91425" spcFirstLastPara="1" tIns="91425" wrap="square">
             <a:normAutofit/>
           </a:bodyPr>
           <a:lstStyle>
@@ -7463,7 +7463,7 @@
           </a:prstGeom>
         </p:spPr>
         <p:txBody>
-          <a:bodyPr anchorCtr="0" anchor="t" bIns="91425" lIns="91425" spcFirstLastPara="1" rIns="91425" wrap="square" tIns="91425">
+          <a:bodyPr anchor="t" anchorCtr="0" bIns="91425" lIns="91425" numCol="1" rIns="91425" spcFirstLastPara="1" tIns="91425" wrap="square">
             <a:normAutofit/>
           </a:bodyPr>
           <a:lstStyle>
@@ -7588,7 +7588,7 @@
           </a:prstGeom>
         </p:spPr>
         <p:txBody>
-          <a:bodyPr anchorCtr="0" anchor="ctr" bIns="91425" lIns="91425" spcFirstLastPara="1" rIns="91425" wrap="square" tIns="91425">
+          <a:bodyPr anchor="ctr" anchorCtr="0" bIns="91425" lIns="91425" numCol="1" rIns="91425" spcFirstLastPara="1" tIns="91425" wrap="square">
             <a:normAutofit/>
           </a:bodyPr>
           <a:lstStyle>
@@ -7630,7 +7630,7 @@
             </a:lvl9pPr>
           </a:lstStyle>
           <a:p>
-            <a:pPr indent="0" lvl="0" marL="0" rtl="0" algn="r">
+            <a:pPr algn="r" indent="0" lvl="0" marL="0" rtl="0">
               <a:spcBef>
                 <a:spcPts val="0"/>
               </a:spcBef>
@@ -7640,7 +7640,7 @@
               <a:buNone/>
             </a:pPr>
             <a:fld id="{00000000-1234-1234-1234-123412341234}" type="slidenum">
-              <a:rPr lang="en-GB"/>
+              <a:rPr altLang="en-GB" lang="en-GB"/>
               <a:t>‹#›</a:t>
             </a:fld>
             <a:endParaRPr/>
@@ -7712,12 +7712,12 @@
             </a:ln>
           </p:spPr>
           <p:txBody>
-            <a:bodyPr anchorCtr="0" anchor="ctr" bIns="91425" lIns="91425" spcFirstLastPara="1" rIns="91425" wrap="square" tIns="91425">
+            <a:bodyPr anchor="ctr" anchorCtr="0" bIns="91425" lIns="91425" numCol="1" rIns="91425" spcFirstLastPara="1" tIns="91425" wrap="square">
               <a:noAutofit/>
             </a:bodyPr>
             <a:lstStyle/>
             <a:p>
-              <a:pPr indent="0" lvl="0" marL="0" rtl="0" algn="l">
+              <a:pPr algn="l" indent="0" lvl="0" marL="0" rtl="0">
                 <a:spcBef>
                   <a:spcPts val="0"/>
                 </a:spcBef>
@@ -7759,12 +7759,12 @@
             </a:ln>
           </p:spPr>
           <p:txBody>
-            <a:bodyPr anchorCtr="0" anchor="ctr" bIns="91425" lIns="91425" spcFirstLastPara="1" rIns="91425" wrap="square" tIns="91425">
+            <a:bodyPr anchor="ctr" anchorCtr="0" bIns="91425" lIns="91425" numCol="1" rIns="91425" spcFirstLastPara="1" tIns="91425" wrap="square">
               <a:noAutofit/>
             </a:bodyPr>
             <a:lstStyle/>
             <a:p>
-              <a:pPr indent="0" lvl="0" marL="0" rtl="0" algn="l">
+              <a:pPr algn="l" indent="0" lvl="0" marL="0" rtl="0">
                 <a:spcBef>
                   <a:spcPts val="0"/>
                 </a:spcBef>
@@ -7799,7 +7799,7 @@
           </a:prstGeom>
         </p:spPr>
         <p:txBody>
-          <a:bodyPr anchorCtr="0" anchor="ctr" bIns="91425" lIns="91425" spcFirstLastPara="1" rIns="91425" wrap="square" tIns="91425">
+          <a:bodyPr anchor="ctr" anchorCtr="0" bIns="91425" lIns="91425" numCol="1" rIns="91425" spcFirstLastPara="1" tIns="91425" wrap="square">
             <a:normAutofit/>
           </a:bodyPr>
           <a:lstStyle>
@@ -7839,7 +7839,7 @@
           </a:prstGeom>
         </p:spPr>
         <p:txBody>
-          <a:bodyPr anchorCtr="0" anchor="ctr" bIns="91425" lIns="91425" spcFirstLastPara="1" rIns="91425" wrap="square" tIns="91425">
+          <a:bodyPr anchor="ctr" anchorCtr="0" bIns="91425" lIns="91425" numCol="1" rIns="91425" spcFirstLastPara="1" tIns="91425" wrap="square">
             <a:normAutofit/>
           </a:bodyPr>
           <a:lstStyle>
@@ -7881,7 +7881,7 @@
             </a:lvl9pPr>
           </a:lstStyle>
           <a:p>
-            <a:pPr indent="0" lvl="0" marL="0" rtl="0" algn="r">
+            <a:pPr algn="r" indent="0" lvl="0" marL="0" rtl="0">
               <a:spcBef>
                 <a:spcPts val="0"/>
               </a:spcBef>
@@ -7891,7 +7891,7 @@
               <a:buNone/>
             </a:pPr>
             <a:fld id="{00000000-1234-1234-1234-123412341234}" type="slidenum">
-              <a:rPr lang="en-GB"/>
+              <a:rPr altLang="en-GB" lang="en-GB"/>
               <a:t>‹#›</a:t>
             </a:fld>
             <a:endParaRPr/>
@@ -7952,7 +7952,7 @@
           </a:ln>
         </p:spPr>
         <p:txBody>
-          <a:bodyPr anchorCtr="0" anchor="t" bIns="91425" lIns="91425" spcFirstLastPara="1" rIns="91425" wrap="square" tIns="91425">
+          <a:bodyPr anchor="t" anchorCtr="0" bIns="91425" lIns="91425" numCol="1" rIns="91425" spcFirstLastPara="1" tIns="91425" wrap="square">
             <a:normAutofit/>
           </a:bodyPr>
           <a:lstStyle>
@@ -8189,7 +8189,7 @@
           </a:ln>
         </p:spPr>
         <p:txBody>
-          <a:bodyPr anchorCtr="0" anchor="t" bIns="91425" lIns="91425" spcFirstLastPara="1" rIns="91425" wrap="square" tIns="91425">
+          <a:bodyPr anchor="t" anchorCtr="0" bIns="91425" lIns="91425" numCol="1" rIns="91425" spcFirstLastPara="1" tIns="91425" wrap="square">
             <a:normAutofit/>
           </a:bodyPr>
           <a:lstStyle>
@@ -8453,11 +8453,11 @@
           </a:ln>
         </p:spPr>
         <p:txBody>
-          <a:bodyPr anchorCtr="0" anchor="ctr" bIns="91425" lIns="91425" spcFirstLastPara="1" rIns="91425" wrap="square" tIns="91425">
+          <a:bodyPr anchor="ctr" anchorCtr="0" bIns="91425" lIns="91425" numCol="1" rIns="91425" spcFirstLastPara="1" tIns="91425" wrap="square">
             <a:normAutofit/>
           </a:bodyPr>
           <a:lstStyle>
-            <a:lvl1pPr lvl="0" algn="r">
+            <a:lvl1pPr algn="r" lvl="0">
               <a:buNone/>
               <a:defRPr sz="1000">
                 <a:solidFill>
@@ -8469,7 +8469,7 @@
                 <a:sym typeface="Lato"/>
               </a:defRPr>
             </a:lvl1pPr>
-            <a:lvl2pPr lvl="1" algn="r">
+            <a:lvl2pPr algn="r" lvl="1">
               <a:buNone/>
               <a:defRPr sz="1000">
                 <a:solidFill>
@@ -8481,7 +8481,7 @@
                 <a:sym typeface="Lato"/>
               </a:defRPr>
             </a:lvl2pPr>
-            <a:lvl3pPr lvl="2" algn="r">
+            <a:lvl3pPr algn="r" lvl="2">
               <a:buNone/>
               <a:defRPr sz="1000">
                 <a:solidFill>
@@ -8493,7 +8493,7 @@
                 <a:sym typeface="Lato"/>
               </a:defRPr>
             </a:lvl3pPr>
-            <a:lvl4pPr lvl="3" algn="r">
+            <a:lvl4pPr algn="r" lvl="3">
               <a:buNone/>
               <a:defRPr sz="1000">
                 <a:solidFill>
@@ -8505,7 +8505,7 @@
                 <a:sym typeface="Lato"/>
               </a:defRPr>
             </a:lvl4pPr>
-            <a:lvl5pPr lvl="4" algn="r">
+            <a:lvl5pPr algn="r" lvl="4">
               <a:buNone/>
               <a:defRPr sz="1000">
                 <a:solidFill>
@@ -8517,7 +8517,7 @@
                 <a:sym typeface="Lato"/>
               </a:defRPr>
             </a:lvl5pPr>
-            <a:lvl6pPr lvl="5" algn="r">
+            <a:lvl6pPr algn="r" lvl="5">
               <a:buNone/>
               <a:defRPr sz="1000">
                 <a:solidFill>
@@ -8529,7 +8529,7 @@
                 <a:sym typeface="Lato"/>
               </a:defRPr>
             </a:lvl6pPr>
-            <a:lvl7pPr lvl="6" algn="r">
+            <a:lvl7pPr algn="r" lvl="6">
               <a:buNone/>
               <a:defRPr sz="1000">
                 <a:solidFill>
@@ -8541,7 +8541,7 @@
                 <a:sym typeface="Lato"/>
               </a:defRPr>
             </a:lvl7pPr>
-            <a:lvl8pPr lvl="7" algn="r">
+            <a:lvl8pPr algn="r" lvl="7">
               <a:buNone/>
               <a:defRPr sz="1000">
                 <a:solidFill>
@@ -8553,7 +8553,7 @@
                 <a:sym typeface="Lato"/>
               </a:defRPr>
             </a:lvl8pPr>
-            <a:lvl9pPr lvl="8" algn="r">
+            <a:lvl9pPr algn="r" lvl="8">
               <a:buNone/>
               <a:defRPr sz="1000">
                 <a:solidFill>
@@ -8567,7 +8567,7 @@
             </a:lvl9pPr>
           </a:lstStyle>
           <a:p>
-            <a:pPr indent="0" lvl="0" marL="0" rtl="0" algn="r">
+            <a:pPr algn="r" indent="0" lvl="0" marL="0" rtl="0">
               <a:spcBef>
                 <a:spcPts val="0"/>
               </a:spcBef>
@@ -8577,7 +8577,7 @@
               <a:buNone/>
             </a:pPr>
             <a:fld id="{00000000-1234-1234-1234-123412341234}" type="slidenum">
-              <a:rPr lang="en-GB"/>
+              <a:rPr altLang="en-GB" lang="en-GB"/>
               <a:t>‹#›</a:t>
             </a:fld>
             <a:endParaRPr/>
@@ -8586,24 +8586,24 @@
       </p:sp>
     </p:spTree>
   </p:cSld>
-  <p:clrMap accent1="accent1" accent2="accent2" accent3="accent3" accent4="accent4" accent5="accent5" accent6="accent6" bg1="lt1" bg2="dk2" tx1="dk1" tx2="lt2" folHlink="folHlink" hlink="hlink"/>
+  <p:clrMap accent1="accent1" accent2="accent2" accent3="accent3" accent4="accent4" accent5="accent5" accent6="accent6" bg1="lt1" bg2="dk2" folHlink="folHlink" hlink="hlink" tx1="dk1" tx2="lt2"/>
   <p:sldLayoutIdLst>
-    <p:sldLayoutId id="2147483648" r:id="rId1"/>
-    <p:sldLayoutId id="2147483649" r:id="rId2"/>
-    <p:sldLayoutId id="2147483650" r:id="rId3"/>
-    <p:sldLayoutId id="2147483651" r:id="rId4"/>
-    <p:sldLayoutId id="2147483652" r:id="rId5"/>
-    <p:sldLayoutId id="2147483653" r:id="rId6"/>
-    <p:sldLayoutId id="2147483654" r:id="rId7"/>
-    <p:sldLayoutId id="2147483655" r:id="rId8"/>
-    <p:sldLayoutId id="2147483656" r:id="rId9"/>
-    <p:sldLayoutId id="2147483657" r:id="rId10"/>
-    <p:sldLayoutId id="2147483658" r:id="rId11"/>
+    <p:sldLayoutId id="2147483648" r:id="rId2"/>
+    <p:sldLayoutId id="2147483649" r:id="rId3"/>
+    <p:sldLayoutId id="2147483650" r:id="rId4"/>
+    <p:sldLayoutId id="2147483651" r:id="rId5"/>
+    <p:sldLayoutId id="2147483652" r:id="rId6"/>
+    <p:sldLayoutId id="2147483653" r:id="rId7"/>
+    <p:sldLayoutId id="2147483654" r:id="rId8"/>
+    <p:sldLayoutId id="2147483655" r:id="rId9"/>
+    <p:sldLayoutId id="2147483656" r:id="rId10"/>
+    <p:sldLayoutId id="2147483657" r:id="rId11"/>
+    <p:sldLayoutId id="2147483658" r:id="rId12"/>
   </p:sldLayoutIdLst>
   <p:hf dt="0" ftr="0" hdr="0" sldNum="0"/>
   <p:txStyles>
     <p:titleStyle>
-      <a:defPPr lvl="0" marR="0" rtl="0" algn="l">
+      <a:defPPr algn="l" lvl="0" marR="0" rtl="0">
         <a:lnSpc>
           <a:spcPct val="100000"/>
         </a:lnSpc>
@@ -8614,7 +8614,7 @@
           <a:spcPts val="0"/>
         </a:spcAft>
       </a:defPPr>
-      <a:lvl1pPr lvl="0" marR="0" rtl="0" algn="l">
+      <a:lvl1pPr algn="l" lvl="0" marR="0" rtl="0">
         <a:lnSpc>
           <a:spcPct val="100000"/>
         </a:lnSpc>
@@ -8628,7 +8628,7 @@
           <a:srgbClr val="000000"/>
         </a:buClr>
         <a:buFont typeface="Arial"/>
-        <a:defRPr b="0" i="0" sz="1400" u="none" cap="none" strike="noStrike">
+        <a:defRPr b="0" cap="none" i="0" strike="noStrike" sz="1400" u="none">
           <a:solidFill>
             <a:srgbClr val="000000"/>
           </a:solidFill>
@@ -8638,7 +8638,7 @@
           <a:sym typeface="Arial"/>
         </a:defRPr>
       </a:lvl1pPr>
-      <a:lvl2pPr lvl="1" marR="0" rtl="0" algn="l">
+      <a:lvl2pPr algn="l" lvl="1" marR="0" rtl="0">
         <a:lnSpc>
           <a:spcPct val="100000"/>
         </a:lnSpc>
@@ -8652,7 +8652,7 @@
           <a:srgbClr val="000000"/>
         </a:buClr>
         <a:buFont typeface="Arial"/>
-        <a:defRPr b="0" i="0" sz="1400" u="none" cap="none" strike="noStrike">
+        <a:defRPr b="0" cap="none" i="0" strike="noStrike" sz="1400" u="none">
           <a:solidFill>
             <a:srgbClr val="000000"/>
           </a:solidFill>
@@ -8662,7 +8662,7 @@
           <a:sym typeface="Arial"/>
         </a:defRPr>
       </a:lvl2pPr>
-      <a:lvl3pPr lvl="2" marR="0" rtl="0" algn="l">
+      <a:lvl3pPr algn="l" lvl="2" marR="0" rtl="0">
         <a:lnSpc>
           <a:spcPct val="100000"/>
         </a:lnSpc>
@@ -8676,7 +8676,7 @@
           <a:srgbClr val="000000"/>
         </a:buClr>
         <a:buFont typeface="Arial"/>
-        <a:defRPr b="0" i="0" sz="1400" u="none" cap="none" strike="noStrike">
+        <a:defRPr b="0" cap="none" i="0" strike="noStrike" sz="1400" u="none">
           <a:solidFill>
             <a:srgbClr val="000000"/>
           </a:solidFill>
@@ -8686,7 +8686,7 @@
           <a:sym typeface="Arial"/>
         </a:defRPr>
       </a:lvl3pPr>
-      <a:lvl4pPr lvl="3" marR="0" rtl="0" algn="l">
+      <a:lvl4pPr algn="l" lvl="3" marR="0" rtl="0">
         <a:lnSpc>
           <a:spcPct val="100000"/>
         </a:lnSpc>
@@ -8700,7 +8700,7 @@
           <a:srgbClr val="000000"/>
         </a:buClr>
         <a:buFont typeface="Arial"/>
-        <a:defRPr b="0" i="0" sz="1400" u="none" cap="none" strike="noStrike">
+        <a:defRPr b="0" cap="none" i="0" strike="noStrike" sz="1400" u="none">
           <a:solidFill>
             <a:srgbClr val="000000"/>
           </a:solidFill>
@@ -8710,7 +8710,7 @@
           <a:sym typeface="Arial"/>
         </a:defRPr>
       </a:lvl4pPr>
-      <a:lvl5pPr lvl="4" marR="0" rtl="0" algn="l">
+      <a:lvl5pPr algn="l" lvl="4" marR="0" rtl="0">
         <a:lnSpc>
           <a:spcPct val="100000"/>
         </a:lnSpc>
@@ -8724,7 +8724,7 @@
           <a:srgbClr val="000000"/>
         </a:buClr>
         <a:buFont typeface="Arial"/>
-        <a:defRPr b="0" i="0" sz="1400" u="none" cap="none" strike="noStrike">
+        <a:defRPr b="0" cap="none" i="0" strike="noStrike" sz="1400" u="none">
           <a:solidFill>
             <a:srgbClr val="000000"/>
           </a:solidFill>
@@ -8734,7 +8734,7 @@
           <a:sym typeface="Arial"/>
         </a:defRPr>
       </a:lvl5pPr>
-      <a:lvl6pPr lvl="5" marR="0" rtl="0" algn="l">
+      <a:lvl6pPr algn="l" lvl="5" marR="0" rtl="0">
         <a:lnSpc>
           <a:spcPct val="100000"/>
         </a:lnSpc>
@@ -8748,7 +8748,7 @@
           <a:srgbClr val="000000"/>
         </a:buClr>
         <a:buFont typeface="Arial"/>
-        <a:defRPr b="0" i="0" sz="1400" u="none" cap="none" strike="noStrike">
+        <a:defRPr b="0" cap="none" i="0" strike="noStrike" sz="1400" u="none">
           <a:solidFill>
             <a:srgbClr val="000000"/>
           </a:solidFill>
@@ -8758,7 +8758,7 @@
           <a:sym typeface="Arial"/>
         </a:defRPr>
       </a:lvl6pPr>
-      <a:lvl7pPr lvl="6" marR="0" rtl="0" algn="l">
+      <a:lvl7pPr algn="l" lvl="6" marR="0" rtl="0">
         <a:lnSpc>
           <a:spcPct val="100000"/>
         </a:lnSpc>
@@ -8772,7 +8772,7 @@
           <a:srgbClr val="000000"/>
         </a:buClr>
         <a:buFont typeface="Arial"/>
-        <a:defRPr b="0" i="0" sz="1400" u="none" cap="none" strike="noStrike">
+        <a:defRPr b="0" cap="none" i="0" strike="noStrike" sz="1400" u="none">
           <a:solidFill>
             <a:srgbClr val="000000"/>
           </a:solidFill>
@@ -8782,7 +8782,7 @@
           <a:sym typeface="Arial"/>
         </a:defRPr>
       </a:lvl7pPr>
-      <a:lvl8pPr lvl="7" marR="0" rtl="0" algn="l">
+      <a:lvl8pPr algn="l" lvl="7" marR="0" rtl="0">
         <a:lnSpc>
           <a:spcPct val="100000"/>
         </a:lnSpc>
@@ -8796,7 +8796,7 @@
           <a:srgbClr val="000000"/>
         </a:buClr>
         <a:buFont typeface="Arial"/>
-        <a:defRPr b="0" i="0" sz="1400" u="none" cap="none" strike="noStrike">
+        <a:defRPr b="0" cap="none" i="0" strike="noStrike" sz="1400" u="none">
           <a:solidFill>
             <a:srgbClr val="000000"/>
           </a:solidFill>
@@ -8806,7 +8806,7 @@
           <a:sym typeface="Arial"/>
         </a:defRPr>
       </a:lvl8pPr>
-      <a:lvl9pPr lvl="8" marR="0" rtl="0" algn="l">
+      <a:lvl9pPr algn="l" lvl="8" marR="0" rtl="0">
         <a:lnSpc>
           <a:spcPct val="100000"/>
         </a:lnSpc>
@@ -8820,7 +8820,7 @@
           <a:srgbClr val="000000"/>
         </a:buClr>
         <a:buFont typeface="Arial"/>
-        <a:defRPr b="0" i="0" sz="1400" u="none" cap="none" strike="noStrike">
+        <a:defRPr b="0" cap="none" i="0" strike="noStrike" sz="1400" u="none">
           <a:solidFill>
             <a:srgbClr val="000000"/>
           </a:solidFill>
@@ -8832,7 +8832,7 @@
       </a:lvl9pPr>
     </p:titleStyle>
     <p:bodyStyle>
-      <a:defPPr lvl="0" marR="0" rtl="0" algn="l">
+      <a:defPPr algn="l" lvl="0" marR="0" rtl="0">
         <a:lnSpc>
           <a:spcPct val="100000"/>
         </a:lnSpc>
@@ -8843,7 +8843,7 @@
           <a:spcPts val="0"/>
         </a:spcAft>
       </a:defPPr>
-      <a:lvl1pPr lvl="0" marR="0" rtl="0" algn="l">
+      <a:lvl1pPr algn="l" lvl="0" marR="0" rtl="0">
         <a:lnSpc>
           <a:spcPct val="100000"/>
         </a:lnSpc>
@@ -8857,7 +8857,7 @@
           <a:srgbClr val="000000"/>
         </a:buClr>
         <a:buFont typeface="Arial"/>
-        <a:defRPr b="0" i="0" sz="1400" u="none" cap="none" strike="noStrike">
+        <a:defRPr b="0" cap="none" i="0" strike="noStrike" sz="1400" u="none">
           <a:solidFill>
             <a:srgbClr val="000000"/>
           </a:solidFill>
@@ -8867,7 +8867,7 @@
           <a:sym typeface="Arial"/>
         </a:defRPr>
       </a:lvl1pPr>
-      <a:lvl2pPr lvl="1" marR="0" rtl="0" algn="l">
+      <a:lvl2pPr algn="l" lvl="1" marR="0" rtl="0">
         <a:lnSpc>
           <a:spcPct val="100000"/>
         </a:lnSpc>
@@ -8881,7 +8881,7 @@
           <a:srgbClr val="000000"/>
         </a:buClr>
         <a:buFont typeface="Arial"/>
-        <a:defRPr b="0" i="0" sz="1400" u="none" cap="none" strike="noStrike">
+        <a:defRPr b="0" cap="none" i="0" strike="noStrike" sz="1400" u="none">
           <a:solidFill>
             <a:srgbClr val="000000"/>
           </a:solidFill>
@@ -8891,7 +8891,7 @@
           <a:sym typeface="Arial"/>
         </a:defRPr>
       </a:lvl2pPr>
-      <a:lvl3pPr lvl="2" marR="0" rtl="0" algn="l">
+      <a:lvl3pPr algn="l" lvl="2" marR="0" rtl="0">
         <a:lnSpc>
           <a:spcPct val="100000"/>
         </a:lnSpc>
@@ -8905,7 +8905,7 @@
           <a:srgbClr val="000000"/>
         </a:buClr>
         <a:buFont typeface="Arial"/>
-        <a:defRPr b="0" i="0" sz="1400" u="none" cap="none" strike="noStrike">
+        <a:defRPr b="0" cap="none" i="0" strike="noStrike" sz="1400" u="none">
           <a:solidFill>
             <a:srgbClr val="000000"/>
           </a:solidFill>
@@ -8915,7 +8915,7 @@
           <a:sym typeface="Arial"/>
         </a:defRPr>
       </a:lvl3pPr>
-      <a:lvl4pPr lvl="3" marR="0" rtl="0" algn="l">
+      <a:lvl4pPr algn="l" lvl="3" marR="0" rtl="0">
         <a:lnSpc>
           <a:spcPct val="100000"/>
         </a:lnSpc>
@@ -8929,7 +8929,7 @@
           <a:srgbClr val="000000"/>
         </a:buClr>
         <a:buFont typeface="Arial"/>
-        <a:defRPr b="0" i="0" sz="1400" u="none" cap="none" strike="noStrike">
+        <a:defRPr b="0" cap="none" i="0" strike="noStrike" sz="1400" u="none">
           <a:solidFill>
             <a:srgbClr val="000000"/>
           </a:solidFill>
@@ -8939,7 +8939,7 @@
           <a:sym typeface="Arial"/>
         </a:defRPr>
       </a:lvl4pPr>
-      <a:lvl5pPr lvl="4" marR="0" rtl="0" algn="l">
+      <a:lvl5pPr algn="l" lvl="4" marR="0" rtl="0">
         <a:lnSpc>
           <a:spcPct val="100000"/>
         </a:lnSpc>
@@ -8953,7 +8953,7 @@
           <a:srgbClr val="000000"/>
         </a:buClr>
         <a:buFont typeface="Arial"/>
-        <a:defRPr b="0" i="0" sz="1400" u="none" cap="none" strike="noStrike">
+        <a:defRPr b="0" cap="none" i="0" strike="noStrike" sz="1400" u="none">
           <a:solidFill>
             <a:srgbClr val="000000"/>
           </a:solidFill>
@@ -8963,7 +8963,7 @@
           <a:sym typeface="Arial"/>
         </a:defRPr>
       </a:lvl5pPr>
-      <a:lvl6pPr lvl="5" marR="0" rtl="0" algn="l">
+      <a:lvl6pPr algn="l" lvl="5" marR="0" rtl="0">
         <a:lnSpc>
           <a:spcPct val="100000"/>
         </a:lnSpc>
@@ -8977,7 +8977,7 @@
           <a:srgbClr val="000000"/>
         </a:buClr>
         <a:buFont typeface="Arial"/>
-        <a:defRPr b="0" i="0" sz="1400" u="none" cap="none" strike="noStrike">
+        <a:defRPr b="0" cap="none" i="0" strike="noStrike" sz="1400" u="none">
           <a:solidFill>
             <a:srgbClr val="000000"/>
           </a:solidFill>
@@ -8987,7 +8987,7 @@
           <a:sym typeface="Arial"/>
         </a:defRPr>
       </a:lvl6pPr>
-      <a:lvl7pPr lvl="6" marR="0" rtl="0" algn="l">
+      <a:lvl7pPr algn="l" lvl="6" marR="0" rtl="0">
         <a:lnSpc>
           <a:spcPct val="100000"/>
         </a:lnSpc>
@@ -9001,7 +9001,7 @@
           <a:srgbClr val="000000"/>
         </a:buClr>
         <a:buFont typeface="Arial"/>
-        <a:defRPr b="0" i="0" sz="1400" u="none" cap="none" strike="noStrike">
+        <a:defRPr b="0" cap="none" i="0" strike="noStrike" sz="1400" u="none">
           <a:solidFill>
             <a:srgbClr val="000000"/>
           </a:solidFill>
@@ -9011,7 +9011,7 @@
           <a:sym typeface="Arial"/>
         </a:defRPr>
       </a:lvl7pPr>
-      <a:lvl8pPr lvl="7" marR="0" rtl="0" algn="l">
+      <a:lvl8pPr algn="l" lvl="7" marR="0" rtl="0">
         <a:lnSpc>
           <a:spcPct val="100000"/>
         </a:lnSpc>
@@ -9025,7 +9025,7 @@
           <a:srgbClr val="000000"/>
         </a:buClr>
         <a:buFont typeface="Arial"/>
-        <a:defRPr b="0" i="0" sz="1400" u="none" cap="none" strike="noStrike">
+        <a:defRPr b="0" cap="none" i="0" strike="noStrike" sz="1400" u="none">
           <a:solidFill>
             <a:srgbClr val="000000"/>
           </a:solidFill>
@@ -9035,7 +9035,7 @@
           <a:sym typeface="Arial"/>
         </a:defRPr>
       </a:lvl8pPr>
-      <a:lvl9pPr lvl="8" marR="0" rtl="0" algn="l">
+      <a:lvl9pPr algn="l" lvl="8" marR="0" rtl="0">
         <a:lnSpc>
           <a:spcPct val="100000"/>
         </a:lnSpc>
@@ -9049,7 +9049,7 @@
           <a:srgbClr val="000000"/>
         </a:buClr>
         <a:buFont typeface="Arial"/>
-        <a:defRPr b="0" i="0" sz="1400" u="none" cap="none" strike="noStrike">
+        <a:defRPr b="0" cap="none" i="0" strike="noStrike" sz="1400" u="none">
           <a:solidFill>
             <a:srgbClr val="000000"/>
           </a:solidFill>
@@ -9061,7 +9061,7 @@
       </a:lvl9pPr>
     </p:bodyStyle>
     <p:otherStyle>
-      <a:defPPr lvl="0" marR="0" rtl="0" algn="l">
+      <a:defPPr algn="l" lvl="0" marR="0" rtl="0">
         <a:lnSpc>
           <a:spcPct val="100000"/>
         </a:lnSpc>
@@ -9072,7 +9072,7 @@
           <a:spcPts val="0"/>
         </a:spcAft>
       </a:defPPr>
-      <a:lvl1pPr lvl="0" marR="0" rtl="0" algn="l">
+      <a:lvl1pPr algn="l" lvl="0" marR="0" rtl="0">
         <a:lnSpc>
           <a:spcPct val="100000"/>
         </a:lnSpc>
@@ -9086,7 +9086,7 @@
           <a:srgbClr val="000000"/>
         </a:buClr>
         <a:buFont typeface="Arial"/>
-        <a:defRPr b="0" i="0" sz="1400" u="none" cap="none" strike="noStrike">
+        <a:defRPr b="0" cap="none" i="0" strike="noStrike" sz="1400" u="none">
           <a:solidFill>
             <a:srgbClr val="000000"/>
           </a:solidFill>
@@ -9096,7 +9096,7 @@
           <a:sym typeface="Arial"/>
         </a:defRPr>
       </a:lvl1pPr>
-      <a:lvl2pPr lvl="1" marR="0" rtl="0" algn="l">
+      <a:lvl2pPr algn="l" lvl="1" marR="0" rtl="0">
         <a:lnSpc>
           <a:spcPct val="100000"/>
         </a:lnSpc>
@@ -9110,7 +9110,7 @@
           <a:srgbClr val="000000"/>
         </a:buClr>
         <a:buFont typeface="Arial"/>
-        <a:defRPr b="0" i="0" sz="1400" u="none" cap="none" strike="noStrike">
+        <a:defRPr b="0" cap="none" i="0" strike="noStrike" sz="1400" u="none">
           <a:solidFill>
             <a:srgbClr val="000000"/>
           </a:solidFill>
@@ -9120,7 +9120,7 @@
           <a:sym typeface="Arial"/>
         </a:defRPr>
       </a:lvl2pPr>
-      <a:lvl3pPr lvl="2" marR="0" rtl="0" algn="l">
+      <a:lvl3pPr algn="l" lvl="2" marR="0" rtl="0">
         <a:lnSpc>
           <a:spcPct val="100000"/>
         </a:lnSpc>
@@ -9134,7 +9134,7 @@
           <a:srgbClr val="000000"/>
         </a:buClr>
         <a:buFont typeface="Arial"/>
-        <a:defRPr b="0" i="0" sz="1400" u="none" cap="none" strike="noStrike">
+        <a:defRPr b="0" cap="none" i="0" strike="noStrike" sz="1400" u="none">
           <a:solidFill>
             <a:srgbClr val="000000"/>
           </a:solidFill>
@@ -9144,7 +9144,7 @@
           <a:sym typeface="Arial"/>
         </a:defRPr>
       </a:lvl3pPr>
-      <a:lvl4pPr lvl="3" marR="0" rtl="0" algn="l">
+      <a:lvl4pPr algn="l" lvl="3" marR="0" rtl="0">
         <a:lnSpc>
           <a:spcPct val="100000"/>
         </a:lnSpc>
@@ -9158,7 +9158,7 @@
           <a:srgbClr val="000000"/>
         </a:buClr>
         <a:buFont typeface="Arial"/>
-        <a:defRPr b="0" i="0" sz="1400" u="none" cap="none" strike="noStrike">
+        <a:defRPr b="0" cap="none" i="0" strike="noStrike" sz="1400" u="none">
           <a:solidFill>
             <a:srgbClr val="000000"/>
           </a:solidFill>
@@ -9168,7 +9168,7 @@
           <a:sym typeface="Arial"/>
         </a:defRPr>
       </a:lvl4pPr>
-      <a:lvl5pPr lvl="4" marR="0" rtl="0" algn="l">
+      <a:lvl5pPr algn="l" lvl="4" marR="0" rtl="0">
         <a:lnSpc>
           <a:spcPct val="100000"/>
         </a:lnSpc>
@@ -9182,7 +9182,7 @@
           <a:srgbClr val="000000"/>
         </a:buClr>
         <a:buFont typeface="Arial"/>
-        <a:defRPr b="0" i="0" sz="1400" u="none" cap="none" strike="noStrike">
+        <a:defRPr b="0" cap="none" i="0" strike="noStrike" sz="1400" u="none">
           <a:solidFill>
             <a:srgbClr val="000000"/>
           </a:solidFill>
@@ -9192,7 +9192,7 @@
           <a:sym typeface="Arial"/>
         </a:defRPr>
       </a:lvl5pPr>
-      <a:lvl6pPr lvl="5" marR="0" rtl="0" algn="l">
+      <a:lvl6pPr algn="l" lvl="5" marR="0" rtl="0">
         <a:lnSpc>
           <a:spcPct val="100000"/>
         </a:lnSpc>
@@ -9206,7 +9206,7 @@
           <a:srgbClr val="000000"/>
         </a:buClr>
         <a:buFont typeface="Arial"/>
-        <a:defRPr b="0" i="0" sz="1400" u="none" cap="none" strike="noStrike">
+        <a:defRPr b="0" cap="none" i="0" strike="noStrike" sz="1400" u="none">
           <a:solidFill>
             <a:srgbClr val="000000"/>
           </a:solidFill>
@@ -9216,7 +9216,7 @@
           <a:sym typeface="Arial"/>
         </a:defRPr>
       </a:lvl6pPr>
-      <a:lvl7pPr lvl="6" marR="0" rtl="0" algn="l">
+      <a:lvl7pPr algn="l" lvl="6" marR="0" rtl="0">
         <a:lnSpc>
           <a:spcPct val="100000"/>
         </a:lnSpc>
@@ -9230,7 +9230,7 @@
           <a:srgbClr val="000000"/>
         </a:buClr>
         <a:buFont typeface="Arial"/>
-        <a:defRPr b="0" i="0" sz="1400" u="none" cap="none" strike="noStrike">
+        <a:defRPr b="0" cap="none" i="0" strike="noStrike" sz="1400" u="none">
           <a:solidFill>
             <a:srgbClr val="000000"/>
           </a:solidFill>
@@ -9240,7 +9240,7 @@
           <a:sym typeface="Arial"/>
         </a:defRPr>
       </a:lvl7pPr>
-      <a:lvl8pPr lvl="7" marR="0" rtl="0" algn="l">
+      <a:lvl8pPr algn="l" lvl="7" marR="0" rtl="0">
         <a:lnSpc>
           <a:spcPct val="100000"/>
         </a:lnSpc>
@@ -9254,7 +9254,7 @@
           <a:srgbClr val="000000"/>
         </a:buClr>
         <a:buFont typeface="Arial"/>
-        <a:defRPr b="0" i="0" sz="1400" u="none" cap="none" strike="noStrike">
+        <a:defRPr b="0" cap="none" i="0" strike="noStrike" sz="1400" u="none">
           <a:solidFill>
             <a:srgbClr val="000000"/>
           </a:solidFill>
@@ -9264,7 +9264,7 @@
           <a:sym typeface="Arial"/>
         </a:defRPr>
       </a:lvl8pPr>
-      <a:lvl9pPr lvl="8" marR="0" rtl="0" algn="l">
+      <a:lvl9pPr algn="l" lvl="8" marR="0" rtl="0">
         <a:lnSpc>
           <a:spcPct val="100000"/>
         </a:lnSpc>
@@ -9278,7 +9278,7 @@
           <a:srgbClr val="000000"/>
         </a:buClr>
         <a:buFont typeface="Arial"/>
-        <a:defRPr b="0" i="0" sz="1400" u="none" cap="none" strike="noStrike">
+        <a:defRPr b="0" cap="none" i="0" strike="noStrike" sz="1400" u="none">
           <a:solidFill>
             <a:srgbClr val="000000"/>
           </a:solidFill>
@@ -9328,12 +9328,12 @@
           </a:prstGeom>
         </p:spPr>
         <p:txBody>
-          <a:bodyPr anchorCtr="0" anchor="t" bIns="91425" lIns="91425" spcFirstLastPara="1" rIns="91425" wrap="square" tIns="91425">
+          <a:bodyPr anchor="t" anchorCtr="0" bIns="91425" lIns="91425" numCol="1" rIns="91425" spcFirstLastPara="1" tIns="91425" wrap="square">
             <a:normAutofit/>
           </a:bodyPr>
           <a:lstStyle/>
           <a:p>
-            <a:pPr indent="0" lvl="0" marL="0" rtl="0" algn="l">
+            <a:pPr algn="l" indent="0" lvl="0" marL="0" rtl="0">
               <a:spcBef>
                 <a:spcPts val="0"/>
               </a:spcBef>
@@ -9343,7 +9343,7 @@
               <a:buNone/>
             </a:pPr>
             <a:r>
-              <a:rPr lang="en-GB" sz="5300">
+              <a:rPr altLang="en-GB" lang="en-GB" sz="5300">
                 <a:latin typeface="Lobster"/>
                 <a:ea typeface="Lobster"/>
                 <a:cs typeface="Lobster"/>
@@ -9378,12 +9378,12 @@
           </a:prstGeom>
         </p:spPr>
         <p:txBody>
-          <a:bodyPr anchorCtr="0" anchor="t" bIns="91425" lIns="91425" spcFirstLastPara="1" rIns="91425" wrap="square" tIns="91425">
+          <a:bodyPr anchor="t" anchorCtr="0" bIns="91425" lIns="91425" numCol="1" rIns="91425" spcFirstLastPara="1" tIns="91425" wrap="square">
             <a:noAutofit/>
           </a:bodyPr>
           <a:lstStyle/>
           <a:p>
-            <a:pPr indent="0" lvl="0" marL="0" rtl="0" algn="l">
+            <a:pPr algn="l" indent="0" lvl="0" marL="0" rtl="0">
               <a:spcBef>
                 <a:spcPts val="0"/>
               </a:spcBef>
@@ -9392,15 +9392,6 @@
               </a:spcAft>
               <a:buNone/>
             </a:pPr>
-            <a:r>
-              <a:rPr lang="en-GB" sz="2500">
-                <a:latin typeface="Arial"/>
-                <a:ea typeface="Arial"/>
-                <a:cs typeface="Arial"/>
-                <a:sym typeface="Arial"/>
-              </a:rPr>
-              <a:t>By Rohan West</a:t>
-            </a:r>
             <a:endParaRPr sz="2500">
               <a:latin typeface="Arial"/>
               <a:ea typeface="Arial"/>
@@ -9409,7 +9400,7 @@
             </a:endParaRPr>
           </a:p>
           <a:p>
-            <a:pPr indent="0" lvl="0" marL="0" rtl="0" algn="l">
+            <a:pPr algn="l" indent="0" lvl="0" marL="0" rtl="0">
               <a:spcBef>
                 <a:spcPts val="0"/>
               </a:spcBef>
@@ -9455,17 +9446,17 @@
             </a:solidFill>
             <a:prstDash val="solid"/>
             <a:round/>
-            <a:headEnd len="sm" w="sm" type="none"/>
-            <a:tailEnd len="sm" w="sm" type="none"/>
+            <a:headEnd len="sm" type="none" w="sm"/>
+            <a:tailEnd len="sm" type="none" w="sm"/>
           </a:ln>
         </p:spPr>
         <p:txBody>
-          <a:bodyPr anchorCtr="0" anchor="ctr" bIns="91425" lIns="91425" spcFirstLastPara="1" rIns="91425" wrap="square" tIns="91425">
+          <a:bodyPr anchor="ctr" anchorCtr="0" bIns="91425" lIns="91425" numCol="1" rIns="91425" spcFirstLastPara="1" tIns="91425" wrap="square">
             <a:noAutofit/>
           </a:bodyPr>
           <a:lstStyle/>
           <a:p>
-            <a:pPr indent="0" lvl="0" marL="0" rtl="0" algn="ctr">
+            <a:pPr algn="ctr" indent="0" lvl="0" marL="0" rtl="0">
               <a:spcBef>
                 <a:spcPts val="0"/>
               </a:spcBef>
@@ -9509,17 +9500,17 @@
             </a:solidFill>
             <a:prstDash val="solid"/>
             <a:round/>
-            <a:headEnd len="sm" w="sm" type="none"/>
-            <a:tailEnd len="sm" w="sm" type="none"/>
+            <a:headEnd len="sm" type="none" w="sm"/>
+            <a:tailEnd len="sm" type="none" w="sm"/>
           </a:ln>
         </p:spPr>
         <p:txBody>
-          <a:bodyPr anchorCtr="0" anchor="ctr" bIns="91425" lIns="91425" spcFirstLastPara="1" rIns="91425" wrap="square" tIns="91425">
+          <a:bodyPr anchor="ctr" anchorCtr="0" bIns="91425" lIns="91425" numCol="1" rIns="91425" spcFirstLastPara="1" tIns="91425" wrap="square">
             <a:noAutofit/>
           </a:bodyPr>
           <a:lstStyle/>
           <a:p>
-            <a:pPr indent="0" lvl="0" marL="0" rtl="0" algn="ctr">
+            <a:pPr algn="ctr" indent="0" lvl="0" marL="0" rtl="0">
               <a:spcBef>
                 <a:spcPts val="0"/>
               </a:spcBef>
@@ -9565,17 +9556,17 @@
             </a:solidFill>
             <a:prstDash val="solid"/>
             <a:round/>
-            <a:headEnd len="sm" w="sm" type="none"/>
-            <a:tailEnd len="sm" w="sm" type="none"/>
+            <a:headEnd len="sm" type="none" w="sm"/>
+            <a:tailEnd len="sm" type="none" w="sm"/>
           </a:ln>
         </p:spPr>
         <p:txBody>
-          <a:bodyPr anchorCtr="0" anchor="ctr" bIns="91425" lIns="91425" spcFirstLastPara="1" rIns="91425" wrap="square" tIns="91425">
+          <a:bodyPr anchor="ctr" anchorCtr="0" bIns="91425" lIns="91425" numCol="1" rIns="91425" spcFirstLastPara="1" tIns="91425" wrap="square">
             <a:noAutofit/>
           </a:bodyPr>
           <a:lstStyle/>
           <a:p>
-            <a:pPr indent="0" lvl="0" marL="0" rtl="0" algn="ctr">
+            <a:pPr algn="ctr" indent="0" lvl="0" marL="0" rtl="0">
               <a:spcBef>
                 <a:spcPts val="0"/>
               </a:spcBef>
@@ -9926,7 +9917,7 @@
           <p:cNvPr id="143" name="Google Shape;143;p14"/>
           <p:cNvSpPr txBox="1"/>
           <p:nvPr>
-            <p:ph idx="4294967295" type="ctrTitle"/>
+            <p:ph idx="2147483647" type="ctrTitle"/>
           </p:nvPr>
         </p:nvSpPr>
         <p:spPr>
@@ -9939,12 +9930,12 @@
           </a:prstGeom>
         </p:spPr>
         <p:txBody>
-          <a:bodyPr anchorCtr="0" anchor="t" bIns="91425" lIns="91425" spcFirstLastPara="1" rIns="91425" wrap="square" tIns="91425">
+          <a:bodyPr anchor="t" anchorCtr="0" bIns="91425" lIns="91425" numCol="1" rIns="91425" spcFirstLastPara="1" tIns="91425" wrap="square">
             <a:normAutofit/>
           </a:bodyPr>
           <a:lstStyle/>
           <a:p>
-            <a:pPr indent="0" lvl="0" marL="0" rtl="0" algn="l">
+            <a:pPr algn="l" indent="0" lvl="0" marL="0" rtl="0">
               <a:spcBef>
                 <a:spcPts val="0"/>
               </a:spcBef>
@@ -9954,7 +9945,7 @@
               <a:buNone/>
             </a:pPr>
             <a:r>
-              <a:rPr lang="en-GB" sz="4400" u="sng">
+              <a:rPr altLang="en-GB" lang="en-GB" sz="4400" u="sng">
                 <a:latin typeface="Lobster"/>
                 <a:ea typeface="Lobster"/>
                 <a:cs typeface="Lobster"/>
@@ -9976,7 +9967,7 @@
           <p:cNvPr id="144" name="Google Shape;144;p14"/>
           <p:cNvSpPr txBox="1"/>
           <p:nvPr>
-            <p:ph idx="4294967295" type="subTitle"/>
+            <p:ph idx="2147483647" type="subTitle"/>
           </p:nvPr>
         </p:nvSpPr>
         <p:spPr>
@@ -9992,12 +9983,12 @@
           </a:solidFill>
         </p:spPr>
         <p:txBody>
-          <a:bodyPr anchorCtr="0" anchor="t" bIns="91425" lIns="91425" spcFirstLastPara="1" rIns="91425" wrap="square" tIns="91425">
+          <a:bodyPr anchor="t" anchorCtr="0" bIns="91425" lIns="91425" numCol="1" rIns="91425" spcFirstLastPara="1" tIns="91425" wrap="square">
             <a:normAutofit/>
           </a:bodyPr>
           <a:lstStyle/>
           <a:p>
-            <a:pPr indent="0" lvl="0" marL="0" rtl="0" algn="l">
+            <a:pPr algn="l" indent="0" lvl="0" marL="0" rtl="0">
               <a:spcBef>
                 <a:spcPts val="0"/>
               </a:spcBef>
@@ -10007,7 +9998,7 @@
               <a:buNone/>
             </a:pPr>
             <a:r>
-              <a:rPr lang="en-GB" sz="2500">
+              <a:rPr altLang="en-GB" lang="en-GB" sz="2500">
                 <a:latin typeface="Caveat"/>
                 <a:ea typeface="Caveat"/>
                 <a:cs typeface="Caveat"/>
@@ -10016,7 +10007,7 @@
               <a:t>At the seashore you can play, </a:t>
             </a:r>
             <a:r>
-              <a:rPr lang="en-GB" sz="2500">
+              <a:rPr altLang="en-GB" lang="en-GB" sz="2500">
                 <a:latin typeface="Caveat"/>
                 <a:ea typeface="Caveat"/>
                 <a:cs typeface="Caveat"/>
@@ -10025,7 +10016,7 @@
               <a:t>build</a:t>
             </a:r>
             <a:r>
-              <a:rPr lang="en-GB" sz="2500">
+              <a:rPr altLang="en-GB" lang="en-GB" sz="2500">
                 <a:latin typeface="Caveat"/>
                 <a:ea typeface="Caveat"/>
                 <a:cs typeface="Caveat"/>
@@ -10034,7 +10025,7 @@
               <a:t> a </a:t>
             </a:r>
             <a:r>
-              <a:rPr lang="en-GB" sz="2500">
+              <a:rPr altLang="en-GB" lang="en-GB" sz="2500">
                 <a:latin typeface="Caveat"/>
                 <a:ea typeface="Caveat"/>
                 <a:cs typeface="Caveat"/>
@@ -10043,7 +10034,7 @@
               <a:t>sandcastle</a:t>
             </a:r>
             <a:r>
-              <a:rPr lang="en-GB" sz="2500">
+              <a:rPr altLang="en-GB" lang="en-GB" sz="2500">
                 <a:latin typeface="Caveat"/>
                 <a:ea typeface="Caveat"/>
                 <a:cs typeface="Caveat"/>
@@ -10059,7 +10050,7 @@
             </a:endParaRPr>
           </a:p>
           <a:p>
-            <a:pPr indent="0" lvl="0" marL="0" rtl="0" algn="l">
+            <a:pPr algn="l" indent="0" lvl="0" marL="0" rtl="0">
               <a:spcBef>
                 <a:spcPts val="1200"/>
               </a:spcBef>
@@ -10069,7 +10060,7 @@
               <a:buNone/>
             </a:pPr>
             <a:r>
-              <a:rPr lang="en-GB" sz="2500">
+              <a:rPr altLang="en-GB" lang="en-GB" sz="2500">
                 <a:latin typeface="Caveat"/>
                 <a:ea typeface="Caveat"/>
                 <a:cs typeface="Caveat"/>
@@ -10174,18 +10165,9 @@
   <p:clrMapOvr>
     <a:masterClrMapping/>
   </p:clrMapOvr>
-  <mc:AlternateContent>
-    <mc:Choice Requires="p14">
-      <p:transition p14:dur="100">
-        <p:push/>
-      </p:transition>
-    </mc:Choice>
-    <mc:Fallback>
-      <p:transition>
-        <p:fade/>
-      </p:transition>
-    </mc:Fallback>
-  </mc:AlternateContent>
+  <p:transition>
+    <p:fade/>
+  </p:transition>
   <p:timing>
     <p:tnLst>
       <p:par>
@@ -10392,12 +10374,12 @@
           </a:solidFill>
         </p:spPr>
         <p:txBody>
-          <a:bodyPr anchorCtr="0" anchor="t" bIns="91425" lIns="91425" spcFirstLastPara="1" rIns="91425" wrap="square" tIns="91425">
+          <a:bodyPr anchor="t" anchorCtr="0" bIns="91425" lIns="91425" numCol="1" rIns="91425" spcFirstLastPara="1" tIns="91425" wrap="square">
             <a:normAutofit/>
           </a:bodyPr>
           <a:lstStyle/>
           <a:p>
-            <a:pPr indent="0" lvl="0" marL="0" rtl="0" algn="l">
+            <a:pPr algn="l" indent="0" lvl="0" marL="0" rtl="0">
               <a:spcBef>
                 <a:spcPts val="0"/>
               </a:spcBef>
@@ -10407,7 +10389,7 @@
               <a:buNone/>
             </a:pPr>
             <a:r>
-              <a:rPr lang="en-GB" sz="3500"/>
+              <a:rPr altLang="en-GB" lang="en-GB" sz="3500"/>
               <a:t>Human features</a:t>
             </a:r>
             <a:endParaRPr sz="3500"/>
@@ -10435,12 +10417,12 @@
           </a:solidFill>
         </p:spPr>
         <p:txBody>
-          <a:bodyPr anchorCtr="0" anchor="t" bIns="91425" lIns="91425" spcFirstLastPara="1" rIns="91425" wrap="square" tIns="91425">
+          <a:bodyPr anchor="t" anchorCtr="0" bIns="91425" lIns="91425" numCol="1" rIns="91425" spcFirstLastPara="1" tIns="91425" wrap="square">
             <a:normAutofit/>
           </a:bodyPr>
           <a:lstStyle/>
           <a:p>
-            <a:pPr indent="0" lvl="0" marL="0" rtl="0" algn="l">
+            <a:pPr algn="l" indent="0" lvl="0" marL="0" rtl="0">
               <a:spcBef>
                 <a:spcPts val="0"/>
               </a:spcBef>
@@ -10450,7 +10432,7 @@
               <a:buNone/>
             </a:pPr>
             <a:r>
-              <a:rPr lang="en-GB" sz="2300">
+              <a:rPr altLang="en-GB" lang="en-GB" sz="2300">
                 <a:latin typeface="Arial"/>
                 <a:ea typeface="Arial"/>
                 <a:cs typeface="Arial"/>
@@ -10466,7 +10448,7 @@
             </a:endParaRPr>
           </a:p>
           <a:p>
-            <a:pPr indent="0" lvl="0" marL="0" rtl="0" algn="l">
+            <a:pPr algn="l" indent="0" lvl="0" marL="0" rtl="0">
               <a:spcBef>
                 <a:spcPts val="1200"/>
               </a:spcBef>
@@ -10476,7 +10458,7 @@
               <a:buNone/>
             </a:pPr>
             <a:r>
-              <a:rPr lang="en-GB" sz="2300">
+              <a:rPr altLang="en-GB" lang="en-GB" sz="2300">
                 <a:latin typeface="Arial"/>
                 <a:ea typeface="Arial"/>
                 <a:cs typeface="Arial"/>
@@ -10541,12 +10523,12 @@
           </a:ln>
         </p:spPr>
         <p:txBody>
-          <a:bodyPr anchorCtr="0" anchor="t" bIns="91425" lIns="91425" spcFirstLastPara="1" rIns="91425" wrap="square" tIns="91425">
+          <a:bodyPr anchor="t" anchorCtr="0" bIns="91425" lIns="91425" numCol="1" rIns="91425" spcFirstLastPara="1" tIns="91425" wrap="square">
             <a:noAutofit/>
           </a:bodyPr>
           <a:lstStyle/>
           <a:p>
-            <a:pPr indent="0" lvl="0" marL="0" rtl="0" algn="l">
+            <a:pPr algn="l" indent="0" lvl="0" marL="0" rtl="0">
               <a:spcBef>
                 <a:spcPts val="0"/>
               </a:spcBef>
@@ -10590,12 +10572,12 @@
           </a:ln>
         </p:spPr>
         <p:txBody>
-          <a:bodyPr anchorCtr="0" anchor="t" bIns="91425" lIns="91425" spcFirstLastPara="1" rIns="91425" wrap="square" tIns="91425">
+          <a:bodyPr anchor="t" anchorCtr="0" bIns="91425" lIns="91425" numCol="1" rIns="91425" spcFirstLastPara="1" tIns="91425" wrap="square">
             <a:noAutofit/>
           </a:bodyPr>
           <a:lstStyle/>
           <a:p>
-            <a:pPr indent="0" lvl="0" marL="0" rtl="0" algn="l">
+            <a:pPr algn="l" indent="0" lvl="0" marL="0" rtl="0">
               <a:spcBef>
                 <a:spcPts val="0"/>
               </a:spcBef>
@@ -10605,7 +10587,7 @@
               <a:buNone/>
             </a:pPr>
             <a:r>
-              <a:rPr lang="en-GB" sz="3300">
+              <a:rPr altLang="en-GB" lang="en-GB" sz="3300">
                 <a:solidFill>
                   <a:schemeClr val="lt1"/>
                 </a:solidFill>
@@ -10791,12 +10773,12 @@
           </a:prstGeom>
         </p:spPr>
         <p:txBody>
-          <a:bodyPr anchorCtr="0" anchor="t" bIns="91425" lIns="91425" spcFirstLastPara="1" rIns="91425" wrap="square" tIns="91425">
+          <a:bodyPr anchor="t" anchorCtr="0" bIns="91425" lIns="91425" numCol="1" rIns="91425" spcFirstLastPara="1" tIns="91425" wrap="square">
             <a:normAutofit/>
           </a:bodyPr>
           <a:lstStyle/>
           <a:p>
-            <a:pPr indent="0" lvl="0" marL="0" rtl="0" algn="l">
+            <a:pPr algn="l" indent="0" lvl="0" marL="0" rtl="0">
               <a:spcBef>
                 <a:spcPts val="0"/>
               </a:spcBef>
@@ -10806,7 +10788,7 @@
               <a:buNone/>
             </a:pPr>
             <a:r>
-              <a:rPr lang="en-GB" sz="3300" u="sng">
+              <a:rPr altLang="en-GB" lang="en-GB" sz="3300" u="sng">
                 <a:latin typeface="Lobster"/>
                 <a:ea typeface="Lobster"/>
                 <a:cs typeface="Lobster"/>
@@ -10902,17 +10884,17 @@
             </a:solidFill>
             <a:prstDash val="solid"/>
             <a:round/>
-            <a:headEnd len="sm" w="sm" type="none"/>
-            <a:tailEnd len="sm" w="sm" type="none"/>
+            <a:headEnd len="sm" type="none" w="sm"/>
+            <a:tailEnd len="sm" type="none" w="sm"/>
           </a:ln>
         </p:spPr>
         <p:txBody>
-          <a:bodyPr anchorCtr="0" anchor="t" bIns="91425" lIns="91425" spcFirstLastPara="1" rIns="91425" wrap="square" tIns="91425">
+          <a:bodyPr anchor="t" anchorCtr="0" bIns="91425" lIns="91425" numCol="1" rIns="91425" spcFirstLastPara="1" tIns="91425" wrap="square">
             <a:noAutofit/>
           </a:bodyPr>
           <a:lstStyle/>
           <a:p>
-            <a:pPr indent="0" lvl="0" marL="0" rtl="0" algn="l">
+            <a:pPr algn="l" indent="0" lvl="0" marL="0" rtl="0">
               <a:spcBef>
                 <a:spcPts val="0"/>
               </a:spcBef>
@@ -10922,7 +10904,7 @@
               <a:buNone/>
             </a:pPr>
             <a:r>
-              <a:rPr lang="en-GB" sz="2400">
+              <a:rPr altLang="en-GB" lang="en-GB" sz="2400">
                 <a:solidFill>
                   <a:schemeClr val="lt1"/>
                 </a:solidFill>
@@ -10944,7 +10926,7 @@
             </a:endParaRPr>
           </a:p>
           <a:p>
-            <a:pPr indent="0" lvl="0" marL="0" rtl="0" algn="l">
+            <a:pPr algn="l" indent="0" lvl="0" marL="0" rtl="0">
               <a:spcBef>
                 <a:spcPts val="0"/>
               </a:spcBef>
@@ -10954,7 +10936,7 @@
               <a:buNone/>
             </a:pPr>
             <a:r>
-              <a:rPr lang="en-GB" sz="2400">
+              <a:rPr altLang="en-GB" lang="en-GB" sz="2400">
                 <a:solidFill>
                   <a:schemeClr val="lt1"/>
                 </a:solidFill>
@@ -10976,7 +10958,7 @@
             </a:endParaRPr>
           </a:p>
           <a:p>
-            <a:pPr indent="0" lvl="0" marL="0" rtl="0" algn="l">
+            <a:pPr algn="l" indent="0" lvl="0" marL="0" rtl="0">
               <a:spcBef>
                 <a:spcPts val="0"/>
               </a:spcBef>
@@ -10986,7 +10968,7 @@
               <a:buNone/>
             </a:pPr>
             <a:r>
-              <a:rPr lang="en-GB" sz="2400">
+              <a:rPr altLang="en-GB" lang="en-GB" sz="2400">
                 <a:solidFill>
                   <a:schemeClr val="lt1"/>
                 </a:solidFill>
@@ -11344,7 +11326,7 @@
         </a:gradFill>
       </a:fillStyleLst>
       <a:lnStyleLst>
-        <a:ln w="9525" cap="flat" cmpd="sng" algn="ctr">
+        <a:ln algn="ctr" cap="flat" cmpd="sng" w="9525">
           <a:solidFill>
             <a:schemeClr val="phClr">
               <a:shade val="95000"/>
@@ -11353,13 +11335,13 @@
           </a:solidFill>
           <a:prstDash val="solid"/>
         </a:ln>
-        <a:ln w="25400" cap="flat" cmpd="sng" algn="ctr">
+        <a:ln algn="ctr" cap="flat" cmpd="sng" w="25400">
           <a:solidFill>
             <a:schemeClr val="phClr"/>
           </a:solidFill>
           <a:prstDash val="solid"/>
         </a:ln>
-        <a:ln w="38100" cap="flat" cmpd="sng" algn="ctr">
+        <a:ln algn="ctr" cap="flat" cmpd="sng" w="38100">
           <a:solidFill>
             <a:schemeClr val="phClr"/>
           </a:solidFill>
@@ -11369,7 +11351,7 @@
       <a:effectStyleLst>
         <a:effectStyle>
           <a:effectLst>
-            <a:outerShdw blurRad="40000" dist="20000" dir="5400000" rotWithShape="0">
+            <a:outerShdw blurRad="40000" dir="5400000" dist="20000" rotWithShape="0">
               <a:srgbClr val="000000">
                 <a:alpha val="38000"/>
               </a:srgbClr>
@@ -11378,7 +11360,7 @@
         </a:effectStyle>
         <a:effectStyle>
           <a:effectLst>
-            <a:outerShdw blurRad="40000" dist="23000" dir="5400000" rotWithShape="0">
+            <a:outerShdw blurRad="40000" dir="5400000" dist="23000" rotWithShape="0">
               <a:srgbClr val="000000">
                 <a:alpha val="35000"/>
               </a:srgbClr>
@@ -11387,7 +11369,7 @@
         </a:effectStyle>
         <a:effectStyle>
           <a:effectLst>
-            <a:outerShdw blurRad="40000" dist="23000" dir="5400000" rotWithShape="0">
+            <a:outerShdw blurRad="40000" dir="5400000" dist="23000" rotWithShape="0">
               <a:srgbClr val="000000">
                 <a:alpha val="35000"/>
               </a:srgbClr>
@@ -11397,12 +11379,12 @@
             <a:camera prst="orthographicFront">
               <a:rot lat="0" lon="0" rev="0"/>
             </a:camera>
-            <a:lightRig rig="threePt" dir="t">
+            <a:lightRig dir="t" rig="threePt">
               <a:rot lat="0" lon="0" rev="1200000"/>
             </a:lightRig>
           </a:scene3d>
           <a:sp3d>
-            <a:bevelT w="63500" h="25400"/>
+            <a:bevelT h="25400" w="63500"/>
           </a:sp3d>
         </a:effectStyle>
       </a:effectStyleLst>
@@ -11433,7 +11415,7 @@
             </a:gs>
           </a:gsLst>
           <a:path path="circle">
-            <a:fillToRect l="50000" t="-80000" r="50000" b="180000"/>
+            <a:fillToRect b="180000" l="50000" r="50000" t="-80000"/>
           </a:path>
         </a:gradFill>
         <a:gradFill rotWithShape="1">
@@ -11452,7 +11434,7 @@
             </a:gs>
           </a:gsLst>
           <a:path path="circle">
-            <a:fillToRect l="50000" t="50000" r="50000" b="50000"/>
+            <a:fillToRect b="50000" l="50000" r="50000" t="50000"/>
           </a:path>
         </a:gradFill>
       </a:bgFillStyleLst>
@@ -11623,7 +11605,7 @@
         </a:gradFill>
       </a:fillStyleLst>
       <a:lnStyleLst>
-        <a:ln w="9525" cap="flat" cmpd="sng" algn="ctr">
+        <a:ln algn="ctr" cap="flat" cmpd="sng" w="9525">
           <a:solidFill>
             <a:schemeClr val="phClr">
               <a:shade val="95000"/>
@@ -11632,13 +11614,13 @@
           </a:solidFill>
           <a:prstDash val="solid"/>
         </a:ln>
-        <a:ln w="25400" cap="flat" cmpd="sng" algn="ctr">
+        <a:ln algn="ctr" cap="flat" cmpd="sng" w="25400">
           <a:solidFill>
             <a:schemeClr val="phClr"/>
           </a:solidFill>
           <a:prstDash val="solid"/>
         </a:ln>
-        <a:ln w="38100" cap="flat" cmpd="sng" algn="ctr">
+        <a:ln algn="ctr" cap="flat" cmpd="sng" w="38100">
           <a:solidFill>
             <a:schemeClr val="phClr"/>
           </a:solidFill>
@@ -11648,7 +11630,7 @@
       <a:effectStyleLst>
         <a:effectStyle>
           <a:effectLst>
-            <a:outerShdw blurRad="40000" dist="20000" dir="5400000" rotWithShape="0">
+            <a:outerShdw blurRad="40000" dir="5400000" dist="20000" rotWithShape="0">
               <a:srgbClr val="000000">
                 <a:alpha val="38000"/>
               </a:srgbClr>
@@ -11657,7 +11639,7 @@
         </a:effectStyle>
         <a:effectStyle>
           <a:effectLst>
-            <a:outerShdw blurRad="40000" dist="23000" dir="5400000" rotWithShape="0">
+            <a:outerShdw blurRad="40000" dir="5400000" dist="23000" rotWithShape="0">
               <a:srgbClr val="000000">
                 <a:alpha val="35000"/>
               </a:srgbClr>
@@ -11666,7 +11648,7 @@
         </a:effectStyle>
         <a:effectStyle>
           <a:effectLst>
-            <a:outerShdw blurRad="40000" dist="23000" dir="5400000" rotWithShape="0">
+            <a:outerShdw blurRad="40000" dir="5400000" dist="23000" rotWithShape="0">
               <a:srgbClr val="000000">
                 <a:alpha val="35000"/>
               </a:srgbClr>
@@ -11676,12 +11658,12 @@
             <a:camera prst="orthographicFront">
               <a:rot lat="0" lon="0" rev="0"/>
             </a:camera>
-            <a:lightRig rig="threePt" dir="t">
+            <a:lightRig dir="t" rig="threePt">
               <a:rot lat="0" lon="0" rev="1200000"/>
             </a:lightRig>
           </a:scene3d>
           <a:sp3d>
-            <a:bevelT w="63500" h="25400"/>
+            <a:bevelT h="25400" w="63500"/>
           </a:sp3d>
         </a:effectStyle>
       </a:effectStyleLst>
@@ -11712,7 +11694,7 @@
             </a:gs>
           </a:gsLst>
           <a:path path="circle">
-            <a:fillToRect l="50000" t="-80000" r="50000" b="180000"/>
+            <a:fillToRect b="180000" l="50000" r="50000" t="-80000"/>
           </a:path>
         </a:gradFill>
         <a:gradFill rotWithShape="1">
@@ -11731,7 +11713,7 @@
             </a:gs>
           </a:gsLst>
           <a:path path="circle">
-            <a:fillToRect l="50000" t="50000" r="50000" b="50000"/>
+            <a:fillToRect b="50000" l="50000" r="50000" t="50000"/>
           </a:path>
         </a:gradFill>
       </a:bgFillStyleLst>
